--- a/Presentacion/presentacion.pptx
+++ b/Presentacion/presentacion.pptx
@@ -18,6 +18,7 @@
     <p:sldId id="266" r:id="rId12"/>
     <p:sldId id="267" r:id="rId13"/>
     <p:sldId id="268" r:id="rId14"/>
+    <p:sldId id="269" r:id="rId15"/>
   </p:sldIdLst>
   <p:sldSz cx="9144000" cy="6858000" type="screen4x3"/>
   <p:notesSz cx="6858000" cy="9144000"/>
@@ -3505,6 +3506,102 @@
 </file>
 
 <file path=ppt/slides/slide13.xml><?xml version="1.0" encoding="utf-8"?>
+<p:sld xmlns:a="http://schemas.openxmlformats.org/drawingml/2006/main" xmlns:r="http://schemas.openxmlformats.org/officeDocument/2006/relationships" xmlns:p="http://schemas.openxmlformats.org/presentationml/2006/main">
+  <p:cSld>
+    <p:spTree>
+      <p:nvGrpSpPr>
+        <p:cNvPr id="1" name=""/>
+        <p:cNvGrpSpPr/>
+        <p:nvPr/>
+      </p:nvGrpSpPr>
+      <p:grpSpPr>
+        <a:xfrm>
+          <a:off x="0" y="0"/>
+          <a:ext cx="0" cy="0"/>
+          <a:chOff x="0" y="0"/>
+          <a:chExt cx="0" cy="0"/>
+        </a:xfrm>
+      </p:grpSpPr>
+      <p:sp>
+        <p:nvSpPr>
+          <p:cNvPr id="2" name="1 Título"/>
+          <p:cNvSpPr>
+            <a:spLocks noGrp="1"/>
+          </p:cNvSpPr>
+          <p:nvPr>
+            <p:ph type="title"/>
+          </p:nvPr>
+        </p:nvSpPr>
+        <p:spPr/>
+        <p:txBody>
+          <a:bodyPr/>
+          <a:lstStyle/>
+          <a:p>
+            <a:r>
+              <a:rPr lang="es-AR" dirty="0" smtClean="0"/>
+              <a:t>Norma USB revisión 2.0 </a:t>
+            </a:r>
+            <a:endParaRPr lang="es-AR" dirty="0"/>
+          </a:p>
+        </p:txBody>
+      </p:sp>
+      <p:sp>
+        <p:nvSpPr>
+          <p:cNvPr id="3" name="2 Marcador de contenido"/>
+          <p:cNvSpPr>
+            <a:spLocks noGrp="1"/>
+          </p:cNvSpPr>
+          <p:nvPr>
+            <p:ph idx="1"/>
+          </p:nvPr>
+        </p:nvSpPr>
+        <p:spPr/>
+        <p:txBody>
+          <a:bodyPr/>
+          <a:lstStyle/>
+          <a:p>
+            <a:r>
+              <a:rPr lang="es-AR" dirty="0" smtClean="0"/>
+              <a:t>Topología del USB</a:t>
+            </a:r>
+          </a:p>
+          <a:p>
+            <a:pPr>
+              <a:buNone/>
+            </a:pPr>
+            <a:endParaRPr lang="es-AR" dirty="0"/>
+          </a:p>
+        </p:txBody>
+      </p:sp>
+      <p:graphicFrame>
+        <p:nvGraphicFramePr>
+          <p:cNvPr id="3075" name="Object 3"/>
+          <p:cNvGraphicFramePr>
+            <a:graphicFrameLocks noChangeAspect="1"/>
+          </p:cNvGraphicFramePr>
+          <p:nvPr/>
+        </p:nvGraphicFramePr>
+        <p:xfrm>
+          <a:off x="1979712" y="2276872"/>
+          <a:ext cx="5688632" cy="4393351"/>
+        </p:xfrm>
+        <a:graphic>
+          <a:graphicData uri="http://schemas.openxmlformats.org/presentationml/2006/ole">
+            <p:oleObj spid="_x0000_s3075" name="PDF" r:id="rId3" imgW="0" imgH="0" progId="FoxitReader.Document">
+              <p:embed/>
+            </p:oleObj>
+          </a:graphicData>
+        </a:graphic>
+      </p:graphicFrame>
+    </p:spTree>
+  </p:cSld>
+  <p:clrMapOvr>
+    <a:masterClrMapping/>
+  </p:clrMapOvr>
+</p:sld>
+</file>
+
+<file path=ppt/slides/slide14.xml><?xml version="1.0" encoding="utf-8"?>
 <p:sld xmlns:a="http://schemas.openxmlformats.org/drawingml/2006/main" xmlns:r="http://schemas.openxmlformats.org/officeDocument/2006/relationships" xmlns:p="http://schemas.openxmlformats.org/presentationml/2006/main">
   <p:cSld>
     <p:spTree>

--- a/Presentacion/presentacion.pptx
+++ b/Presentacion/presentacion.pptx
@@ -19,6 +19,12 @@
     <p:sldId id="267" r:id="rId13"/>
     <p:sldId id="268" r:id="rId14"/>
     <p:sldId id="269" r:id="rId15"/>
+    <p:sldId id="275" r:id="rId16"/>
+    <p:sldId id="270" r:id="rId17"/>
+    <p:sldId id="271" r:id="rId18"/>
+    <p:sldId id="272" r:id="rId19"/>
+    <p:sldId id="273" r:id="rId20"/>
+    <p:sldId id="274" r:id="rId21"/>
   </p:sldIdLst>
   <p:sldSz cx="9144000" cy="6858000" type="screen4x3"/>
   <p:notesSz cx="6858000" cy="9144000"/>
@@ -3658,13 +3664,519 @@
           <a:p>
             <a:r>
               <a:rPr lang="es-AR" dirty="0" smtClean="0"/>
-              <a:t>Topología del USB</a:t>
+              <a:t>Topología física del USB</a:t>
             </a:r>
           </a:p>
           <a:p>
             <a:pPr>
               <a:buNone/>
             </a:pPr>
+            <a:endParaRPr lang="es-AR" dirty="0"/>
+          </a:p>
+        </p:txBody>
+      </p:sp>
+      <p:graphicFrame>
+        <p:nvGraphicFramePr>
+          <p:cNvPr id="4100" name="Object 4"/>
+          <p:cNvGraphicFramePr>
+            <a:graphicFrameLocks noChangeAspect="1"/>
+          </p:cNvGraphicFramePr>
+          <p:nvPr/>
+        </p:nvGraphicFramePr>
+        <p:xfrm>
+          <a:off x="2339752" y="2132856"/>
+          <a:ext cx="4627831" cy="4464496"/>
+        </p:xfrm>
+        <a:graphic>
+          <a:graphicData uri="http://schemas.openxmlformats.org/presentationml/2006/ole">
+            <p:oleObj spid="_x0000_s4100" name="PDF" r:id="rId3" imgW="0" imgH="0" progId="FoxitReader.Document">
+              <p:embed/>
+            </p:oleObj>
+          </a:graphicData>
+        </a:graphic>
+      </p:graphicFrame>
+    </p:spTree>
+  </p:cSld>
+  <p:clrMapOvr>
+    <a:masterClrMapping/>
+  </p:clrMapOvr>
+</p:sld>
+</file>
+
+<file path=ppt/slides/slide15.xml><?xml version="1.0" encoding="utf-8"?>
+<p:sld xmlns:a="http://schemas.openxmlformats.org/drawingml/2006/main" xmlns:r="http://schemas.openxmlformats.org/officeDocument/2006/relationships" xmlns:p="http://schemas.openxmlformats.org/presentationml/2006/main">
+  <p:cSld>
+    <p:spTree>
+      <p:nvGrpSpPr>
+        <p:cNvPr id="1" name=""/>
+        <p:cNvGrpSpPr/>
+        <p:nvPr/>
+      </p:nvGrpSpPr>
+      <p:grpSpPr>
+        <a:xfrm>
+          <a:off x="0" y="0"/>
+          <a:ext cx="0" cy="0"/>
+          <a:chOff x="0" y="0"/>
+          <a:chExt cx="0" cy="0"/>
+        </a:xfrm>
+      </p:grpSpPr>
+      <p:sp>
+        <p:nvSpPr>
+          <p:cNvPr id="2" name="1 Título"/>
+          <p:cNvSpPr>
+            <a:spLocks noGrp="1"/>
+          </p:cNvSpPr>
+          <p:nvPr>
+            <p:ph type="title"/>
+          </p:nvPr>
+        </p:nvSpPr>
+        <p:spPr/>
+        <p:txBody>
+          <a:bodyPr/>
+          <a:lstStyle/>
+          <a:p>
+            <a:r>
+              <a:rPr lang="es-AR" dirty="0" smtClean="0"/>
+              <a:t>Norma USB revisión 2.0 </a:t>
+            </a:r>
+            <a:endParaRPr lang="es-AR" dirty="0"/>
+          </a:p>
+        </p:txBody>
+      </p:sp>
+      <p:sp>
+        <p:nvSpPr>
+          <p:cNvPr id="3" name="2 Marcador de contenido"/>
+          <p:cNvSpPr>
+            <a:spLocks noGrp="1"/>
+          </p:cNvSpPr>
+          <p:nvPr>
+            <p:ph idx="1"/>
+          </p:nvPr>
+        </p:nvSpPr>
+        <p:spPr/>
+        <p:txBody>
+          <a:bodyPr/>
+          <a:lstStyle/>
+          <a:p>
+            <a:r>
+              <a:rPr lang="es-AR" dirty="0" smtClean="0"/>
+              <a:t>Importancia del </a:t>
+            </a:r>
+            <a:r>
+              <a:rPr lang="es-AR" dirty="0" err="1" smtClean="0"/>
+              <a:t>Hub</a:t>
+            </a:r>
+            <a:endParaRPr lang="es-AR" dirty="0" smtClean="0"/>
+          </a:p>
+          <a:p>
+            <a:pPr>
+              <a:buNone/>
+            </a:pPr>
+            <a:endParaRPr lang="es-AR" dirty="0"/>
+          </a:p>
+        </p:txBody>
+      </p:sp>
+    </p:spTree>
+  </p:cSld>
+  <p:clrMapOvr>
+    <a:masterClrMapping/>
+  </p:clrMapOvr>
+</p:sld>
+</file>
+
+<file path=ppt/slides/slide16.xml><?xml version="1.0" encoding="utf-8"?>
+<p:sld xmlns:a="http://schemas.openxmlformats.org/drawingml/2006/main" xmlns:r="http://schemas.openxmlformats.org/officeDocument/2006/relationships" xmlns:p="http://schemas.openxmlformats.org/presentationml/2006/main">
+  <p:cSld>
+    <p:spTree>
+      <p:nvGrpSpPr>
+        <p:cNvPr id="1" name=""/>
+        <p:cNvGrpSpPr/>
+        <p:nvPr/>
+      </p:nvGrpSpPr>
+      <p:grpSpPr>
+        <a:xfrm>
+          <a:off x="0" y="0"/>
+          <a:ext cx="0" cy="0"/>
+          <a:chOff x="0" y="0"/>
+          <a:chExt cx="0" cy="0"/>
+        </a:xfrm>
+      </p:grpSpPr>
+      <p:sp>
+        <p:nvSpPr>
+          <p:cNvPr id="2" name="1 Título"/>
+          <p:cNvSpPr>
+            <a:spLocks noGrp="1"/>
+          </p:cNvSpPr>
+          <p:nvPr>
+            <p:ph type="title"/>
+          </p:nvPr>
+        </p:nvSpPr>
+        <p:spPr/>
+        <p:txBody>
+          <a:bodyPr/>
+          <a:lstStyle/>
+          <a:p>
+            <a:r>
+              <a:rPr lang="es-AR" dirty="0" smtClean="0"/>
+              <a:t>Norma USB revisión 2.0 </a:t>
+            </a:r>
+            <a:endParaRPr lang="es-AR" dirty="0"/>
+          </a:p>
+        </p:txBody>
+      </p:sp>
+      <p:sp>
+        <p:nvSpPr>
+          <p:cNvPr id="3" name="2 Marcador de contenido"/>
+          <p:cNvSpPr>
+            <a:spLocks noGrp="1"/>
+          </p:cNvSpPr>
+          <p:nvPr>
+            <p:ph idx="1"/>
+          </p:nvPr>
+        </p:nvSpPr>
+        <p:spPr/>
+        <p:txBody>
+          <a:bodyPr/>
+          <a:lstStyle/>
+          <a:p>
+            <a:r>
+              <a:rPr lang="es-AR" dirty="0" smtClean="0"/>
+              <a:t>Topología lógica del USB</a:t>
+            </a:r>
+          </a:p>
+          <a:p>
+            <a:pPr>
+              <a:buNone/>
+            </a:pPr>
+            <a:endParaRPr lang="es-AR" dirty="0"/>
+          </a:p>
+        </p:txBody>
+      </p:sp>
+      <p:graphicFrame>
+        <p:nvGraphicFramePr>
+          <p:cNvPr id="5123" name="Object 3"/>
+          <p:cNvGraphicFramePr>
+            <a:graphicFrameLocks noChangeAspect="1"/>
+          </p:cNvGraphicFramePr>
+          <p:nvPr/>
+        </p:nvGraphicFramePr>
+        <p:xfrm>
+          <a:off x="1187624" y="2204865"/>
+          <a:ext cx="6915194" cy="4536503"/>
+        </p:xfrm>
+        <a:graphic>
+          <a:graphicData uri="http://schemas.openxmlformats.org/presentationml/2006/ole">
+            <p:oleObj spid="_x0000_s5123" name="PDF" r:id="rId3" imgW="0" imgH="0" progId="FoxitReader.Document">
+              <p:embed/>
+            </p:oleObj>
+          </a:graphicData>
+        </a:graphic>
+      </p:graphicFrame>
+    </p:spTree>
+  </p:cSld>
+  <p:clrMapOvr>
+    <a:masterClrMapping/>
+  </p:clrMapOvr>
+</p:sld>
+</file>
+
+<file path=ppt/slides/slide17.xml><?xml version="1.0" encoding="utf-8"?>
+<p:sld xmlns:a="http://schemas.openxmlformats.org/drawingml/2006/main" xmlns:r="http://schemas.openxmlformats.org/officeDocument/2006/relationships" xmlns:p="http://schemas.openxmlformats.org/presentationml/2006/main">
+  <p:cSld>
+    <p:spTree>
+      <p:nvGrpSpPr>
+        <p:cNvPr id="1" name=""/>
+        <p:cNvGrpSpPr/>
+        <p:nvPr/>
+      </p:nvGrpSpPr>
+      <p:grpSpPr>
+        <a:xfrm>
+          <a:off x="0" y="0"/>
+          <a:ext cx="0" cy="0"/>
+          <a:chOff x="0" y="0"/>
+          <a:chExt cx="0" cy="0"/>
+        </a:xfrm>
+      </p:grpSpPr>
+      <p:sp>
+        <p:nvSpPr>
+          <p:cNvPr id="2" name="1 Título"/>
+          <p:cNvSpPr>
+            <a:spLocks noGrp="1"/>
+          </p:cNvSpPr>
+          <p:nvPr>
+            <p:ph type="title"/>
+          </p:nvPr>
+        </p:nvSpPr>
+        <p:spPr/>
+        <p:txBody>
+          <a:bodyPr/>
+          <a:lstStyle/>
+          <a:p>
+            <a:r>
+              <a:rPr lang="es-AR" dirty="0" smtClean="0"/>
+              <a:t>Norma USB revisión 2.0 </a:t>
+            </a:r>
+            <a:endParaRPr lang="es-AR" dirty="0"/>
+          </a:p>
+        </p:txBody>
+      </p:sp>
+      <p:sp>
+        <p:nvSpPr>
+          <p:cNvPr id="3" name="2 Marcador de contenido"/>
+          <p:cNvSpPr>
+            <a:spLocks noGrp="1"/>
+          </p:cNvSpPr>
+          <p:nvPr>
+            <p:ph idx="1"/>
+          </p:nvPr>
+        </p:nvSpPr>
+        <p:spPr/>
+        <p:txBody>
+          <a:bodyPr/>
+          <a:lstStyle/>
+          <a:p>
+            <a:r>
+              <a:rPr lang="es-AR" dirty="0" smtClean="0"/>
+              <a:t>Flujo de datos</a:t>
+            </a:r>
+          </a:p>
+          <a:p>
+            <a:pPr>
+              <a:buNone/>
+            </a:pPr>
+            <a:endParaRPr lang="es-AR" dirty="0"/>
+          </a:p>
+        </p:txBody>
+      </p:sp>
+      <p:graphicFrame>
+        <p:nvGraphicFramePr>
+          <p:cNvPr id="6147" name="Object 3"/>
+          <p:cNvGraphicFramePr>
+            <a:graphicFrameLocks noChangeAspect="1"/>
+          </p:cNvGraphicFramePr>
+          <p:nvPr/>
+        </p:nvGraphicFramePr>
+        <p:xfrm>
+          <a:off x="611560" y="2348880"/>
+          <a:ext cx="7848600" cy="4152900"/>
+        </p:xfrm>
+        <a:graphic>
+          <a:graphicData uri="http://schemas.openxmlformats.org/presentationml/2006/ole">
+            <p:oleObj spid="_x0000_s6147" name="PDF" r:id="rId3" imgW="0" imgH="0" progId="FoxitReader.Document">
+              <p:embed/>
+            </p:oleObj>
+          </a:graphicData>
+        </a:graphic>
+      </p:graphicFrame>
+    </p:spTree>
+  </p:cSld>
+  <p:clrMapOvr>
+    <a:masterClrMapping/>
+  </p:clrMapOvr>
+</p:sld>
+</file>
+
+<file path=ppt/slides/slide18.xml><?xml version="1.0" encoding="utf-8"?>
+<p:sld xmlns:a="http://schemas.openxmlformats.org/drawingml/2006/main" xmlns:r="http://schemas.openxmlformats.org/officeDocument/2006/relationships" xmlns:p="http://schemas.openxmlformats.org/presentationml/2006/main">
+  <p:cSld>
+    <p:spTree>
+      <p:nvGrpSpPr>
+        <p:cNvPr id="1" name=""/>
+        <p:cNvGrpSpPr/>
+        <p:nvPr/>
+      </p:nvGrpSpPr>
+      <p:grpSpPr>
+        <a:xfrm>
+          <a:off x="0" y="0"/>
+          <a:ext cx="0" cy="0"/>
+          <a:chOff x="0" y="0"/>
+          <a:chExt cx="0" cy="0"/>
+        </a:xfrm>
+      </p:grpSpPr>
+      <p:sp>
+        <p:nvSpPr>
+          <p:cNvPr id="2" name="1 Título"/>
+          <p:cNvSpPr>
+            <a:spLocks noGrp="1"/>
+          </p:cNvSpPr>
+          <p:nvPr>
+            <p:ph type="title"/>
+          </p:nvPr>
+        </p:nvSpPr>
+        <p:spPr/>
+        <p:txBody>
+          <a:bodyPr/>
+          <a:lstStyle/>
+          <a:p>
+            <a:r>
+              <a:rPr lang="es-AR" dirty="0" smtClean="0"/>
+              <a:t>Norma USB revisión 2.0 </a:t>
+            </a:r>
+            <a:endParaRPr lang="es-AR" dirty="0"/>
+          </a:p>
+        </p:txBody>
+      </p:sp>
+      <p:sp>
+        <p:nvSpPr>
+          <p:cNvPr id="3" name="2 Marcador de contenido"/>
+          <p:cNvSpPr>
+            <a:spLocks noGrp="1"/>
+          </p:cNvSpPr>
+          <p:nvPr>
+            <p:ph idx="1"/>
+          </p:nvPr>
+        </p:nvSpPr>
+        <p:spPr/>
+        <p:txBody>
+          <a:bodyPr/>
+          <a:lstStyle/>
+          <a:p>
+            <a:r>
+              <a:rPr lang="es-AR" dirty="0" smtClean="0"/>
+              <a:t>Tipos de transferencia</a:t>
+            </a:r>
+          </a:p>
+          <a:p>
+            <a:pPr lvl="1"/>
+            <a:r>
+              <a:rPr lang="es-AR" dirty="0" smtClean="0"/>
+              <a:t>Transferencia por bultos</a:t>
+            </a:r>
+          </a:p>
+          <a:p>
+            <a:pPr lvl="1"/>
+            <a:r>
+              <a:rPr lang="es-AR" dirty="0" smtClean="0"/>
+              <a:t>Transferencia de Interrupciones</a:t>
+            </a:r>
+          </a:p>
+          <a:p>
+            <a:pPr lvl="1"/>
+            <a:r>
+              <a:rPr lang="es-AR" dirty="0" smtClean="0"/>
+              <a:t>Transferencia </a:t>
+            </a:r>
+            <a:r>
+              <a:rPr lang="es-AR" dirty="0" err="1" smtClean="0"/>
+              <a:t>Isocrónica</a:t>
+            </a:r>
+            <a:endParaRPr lang="es-AR" dirty="0" smtClean="0"/>
+          </a:p>
+          <a:p>
+            <a:pPr lvl="1"/>
+            <a:r>
+              <a:rPr lang="es-AR" dirty="0" smtClean="0"/>
+              <a:t>Transferencia de Control</a:t>
+            </a:r>
+            <a:endParaRPr lang="es-AR" dirty="0"/>
+          </a:p>
+        </p:txBody>
+      </p:sp>
+    </p:spTree>
+  </p:cSld>
+  <p:clrMapOvr>
+    <a:masterClrMapping/>
+  </p:clrMapOvr>
+</p:sld>
+</file>
+
+<file path=ppt/slides/slide19.xml><?xml version="1.0" encoding="utf-8"?>
+<p:sld xmlns:a="http://schemas.openxmlformats.org/drawingml/2006/main" xmlns:r="http://schemas.openxmlformats.org/officeDocument/2006/relationships" xmlns:p="http://schemas.openxmlformats.org/presentationml/2006/main">
+  <p:cSld>
+    <p:spTree>
+      <p:nvGrpSpPr>
+        <p:cNvPr id="1" name=""/>
+        <p:cNvGrpSpPr/>
+        <p:nvPr/>
+      </p:nvGrpSpPr>
+      <p:grpSpPr>
+        <a:xfrm>
+          <a:off x="0" y="0"/>
+          <a:ext cx="0" cy="0"/>
+          <a:chOff x="0" y="0"/>
+          <a:chExt cx="0" cy="0"/>
+        </a:xfrm>
+      </p:grpSpPr>
+      <p:sp>
+        <p:nvSpPr>
+          <p:cNvPr id="2" name="1 Título"/>
+          <p:cNvSpPr>
+            <a:spLocks noGrp="1"/>
+          </p:cNvSpPr>
+          <p:nvPr>
+            <p:ph type="title"/>
+          </p:nvPr>
+        </p:nvSpPr>
+        <p:spPr/>
+        <p:txBody>
+          <a:bodyPr/>
+          <a:lstStyle/>
+          <a:p>
+            <a:r>
+              <a:rPr lang="es-AR" dirty="0" smtClean="0"/>
+              <a:t>Norma USB revisión 2.0 </a:t>
+            </a:r>
+            <a:endParaRPr lang="es-AR" dirty="0"/>
+          </a:p>
+        </p:txBody>
+      </p:sp>
+      <p:sp>
+        <p:nvSpPr>
+          <p:cNvPr id="3" name="2 Marcador de contenido"/>
+          <p:cNvSpPr>
+            <a:spLocks noGrp="1"/>
+          </p:cNvSpPr>
+          <p:nvPr>
+            <p:ph idx="1"/>
+          </p:nvPr>
+        </p:nvSpPr>
+        <p:spPr/>
+        <p:txBody>
+          <a:bodyPr/>
+          <a:lstStyle/>
+          <a:p>
+            <a:r>
+              <a:rPr lang="es-AR" dirty="0" smtClean="0"/>
+              <a:t>Tipos de paquetes</a:t>
+            </a:r>
+          </a:p>
+          <a:p>
+            <a:pPr lvl="1"/>
+            <a:r>
+              <a:rPr lang="es-AR" dirty="0" smtClean="0"/>
+              <a:t>Paquetes de </a:t>
+            </a:r>
+            <a:r>
+              <a:rPr lang="es-AR" dirty="0" err="1" smtClean="0"/>
+              <a:t>token</a:t>
+            </a:r>
+            <a:endParaRPr lang="es-AR" dirty="0" smtClean="0"/>
+          </a:p>
+          <a:p>
+            <a:pPr lvl="1"/>
+            <a:r>
+              <a:rPr lang="es-AR" dirty="0" smtClean="0"/>
+              <a:t>Paquetes de datos</a:t>
+            </a:r>
+          </a:p>
+          <a:p>
+            <a:pPr lvl="1"/>
+            <a:r>
+              <a:rPr lang="es-AR" dirty="0" smtClean="0"/>
+              <a:t>Paquetes de </a:t>
+            </a:r>
+            <a:r>
+              <a:rPr lang="es-AR" dirty="0" err="1" smtClean="0"/>
+              <a:t>handshake</a:t>
+            </a:r>
+            <a:endParaRPr lang="es-AR" dirty="0" smtClean="0"/>
+          </a:p>
+          <a:p>
+            <a:pPr lvl="1"/>
+            <a:r>
+              <a:rPr lang="es-AR" dirty="0" smtClean="0"/>
+              <a:t>Paquetes especiales</a:t>
+            </a:r>
             <a:endParaRPr lang="es-AR" dirty="0"/>
           </a:p>
         </p:txBody>
@@ -3736,6 +4248,131 @@
           </a:p>
         </p:txBody>
       </p:sp>
+    </p:spTree>
+  </p:cSld>
+  <p:clrMapOvr>
+    <a:masterClrMapping/>
+  </p:clrMapOvr>
+</p:sld>
+</file>
+
+<file path=ppt/slides/slide20.xml><?xml version="1.0" encoding="utf-8"?>
+<p:sld xmlns:a="http://schemas.openxmlformats.org/drawingml/2006/main" xmlns:r="http://schemas.openxmlformats.org/officeDocument/2006/relationships" xmlns:p="http://schemas.openxmlformats.org/presentationml/2006/main">
+  <p:cSld>
+    <p:spTree>
+      <p:nvGrpSpPr>
+        <p:cNvPr id="1" name=""/>
+        <p:cNvGrpSpPr/>
+        <p:nvPr/>
+      </p:nvGrpSpPr>
+      <p:grpSpPr>
+        <a:xfrm>
+          <a:off x="0" y="0"/>
+          <a:ext cx="0" cy="0"/>
+          <a:chOff x="0" y="0"/>
+          <a:chExt cx="0" cy="0"/>
+        </a:xfrm>
+      </p:grpSpPr>
+      <p:sp>
+        <p:nvSpPr>
+          <p:cNvPr id="2" name="1 Título"/>
+          <p:cNvSpPr>
+            <a:spLocks noGrp="1"/>
+          </p:cNvSpPr>
+          <p:nvPr>
+            <p:ph type="title"/>
+          </p:nvPr>
+        </p:nvSpPr>
+        <p:spPr/>
+        <p:txBody>
+          <a:bodyPr/>
+          <a:lstStyle/>
+          <a:p>
+            <a:r>
+              <a:rPr lang="es-AR" dirty="0" smtClean="0"/>
+              <a:t>Norma USB revisión 2.0 </a:t>
+            </a:r>
+            <a:endParaRPr lang="es-AR" dirty="0"/>
+          </a:p>
+        </p:txBody>
+      </p:sp>
+      <p:sp>
+        <p:nvSpPr>
+          <p:cNvPr id="3" name="2 Marcador de contenido"/>
+          <p:cNvSpPr>
+            <a:spLocks noGrp="1"/>
+          </p:cNvSpPr>
+          <p:nvPr>
+            <p:ph idx="1"/>
+          </p:nvPr>
+        </p:nvSpPr>
+        <p:spPr/>
+        <p:txBody>
+          <a:bodyPr/>
+          <a:lstStyle/>
+          <a:p>
+            <a:r>
+              <a:rPr lang="es-AR" dirty="0" smtClean="0"/>
+              <a:t>Entrada de datos</a:t>
+            </a:r>
+          </a:p>
+          <a:p>
+            <a:endParaRPr lang="es-AR" dirty="0"/>
+          </a:p>
+          <a:p>
+            <a:endParaRPr lang="es-AR" dirty="0" smtClean="0"/>
+          </a:p>
+          <a:p>
+            <a:endParaRPr lang="es-AR" dirty="0"/>
+          </a:p>
+          <a:p>
+            <a:r>
+              <a:rPr lang="es-AR" dirty="0" smtClean="0"/>
+              <a:t>Salida de datos</a:t>
+            </a:r>
+          </a:p>
+        </p:txBody>
+      </p:sp>
+      <p:graphicFrame>
+        <p:nvGraphicFramePr>
+          <p:cNvPr id="8194" name="Object 2"/>
+          <p:cNvGraphicFramePr>
+            <a:graphicFrameLocks noChangeAspect="1"/>
+          </p:cNvGraphicFramePr>
+          <p:nvPr/>
+        </p:nvGraphicFramePr>
+        <p:xfrm>
+          <a:off x="1763688" y="4725144"/>
+          <a:ext cx="4968552" cy="1573889"/>
+        </p:xfrm>
+        <a:graphic>
+          <a:graphicData uri="http://schemas.openxmlformats.org/presentationml/2006/ole">
+            <p:oleObj spid="_x0000_s8194" name="PDF" r:id="rId3" imgW="0" imgH="0" progId="FoxitReader.Document">
+              <p:embed/>
+            </p:oleObj>
+          </a:graphicData>
+        </a:graphic>
+      </p:graphicFrame>
+      <p:graphicFrame>
+        <p:nvGraphicFramePr>
+          <p:cNvPr id="8195" name="Object 3"/>
+          <p:cNvGraphicFramePr>
+            <a:graphicFrameLocks noChangeAspect="1"/>
+          </p:cNvGraphicFramePr>
+          <p:nvPr/>
+        </p:nvGraphicFramePr>
+        <p:xfrm>
+          <a:off x="1763688" y="2276872"/>
+          <a:ext cx="5040560" cy="1624387"/>
+        </p:xfrm>
+        <a:graphic>
+          <a:graphicData uri="http://schemas.openxmlformats.org/presentationml/2006/ole">
+            <p:oleObj spid="_x0000_s8195" name="PDF" r:id="rId4" imgW="0" imgH="0" progId="FoxitReader.Document">
+              <p:embed/>
+            </p:oleObj>
+          </a:graphicData>
+        </a:graphic>
+      </p:graphicFrame>
     </p:spTree>
   </p:cSld>
   <p:clrMapOvr>

--- a/Presentacion/presentacion.pptx
+++ b/Presentacion/presentacion.pptx
@@ -25,6 +25,16 @@
     <p:sldId id="272" r:id="rId19"/>
     <p:sldId id="273" r:id="rId20"/>
     <p:sldId id="274" r:id="rId21"/>
+    <p:sldId id="276" r:id="rId22"/>
+    <p:sldId id="277" r:id="rId23"/>
+    <p:sldId id="278" r:id="rId24"/>
+    <p:sldId id="279" r:id="rId25"/>
+    <p:sldId id="280" r:id="rId26"/>
+    <p:sldId id="281" r:id="rId27"/>
+    <p:sldId id="284" r:id="rId28"/>
+    <p:sldId id="283" r:id="rId29"/>
+    <p:sldId id="285" r:id="rId30"/>
+    <p:sldId id="286" r:id="rId31"/>
   </p:sldIdLst>
   <p:sldSz cx="9144000" cy="6858000" type="screen4x3"/>
   <p:notesSz cx="6858000" cy="9144000"/>
@@ -3737,7 +3747,7 @@
           <a:p>
             <a:r>
               <a:rPr lang="es-AR" dirty="0" smtClean="0"/>
-              <a:t>Norma USB revisión 2.0 </a:t>
+              <a:t>Norma USB revisión 2.0</a:t>
             </a:r>
             <a:endParaRPr lang="es-AR" dirty="0"/>
           </a:p>
@@ -3776,6 +3786,26 @@
           </a:p>
         </p:txBody>
       </p:sp>
+      <p:graphicFrame>
+        <p:nvGraphicFramePr>
+          <p:cNvPr id="9219" name="Object 3"/>
+          <p:cNvGraphicFramePr>
+            <a:graphicFrameLocks noChangeAspect="1"/>
+          </p:cNvGraphicFramePr>
+          <p:nvPr/>
+        </p:nvGraphicFramePr>
+        <p:xfrm>
+          <a:off x="467544" y="2780928"/>
+          <a:ext cx="8276304" cy="3168352"/>
+        </p:xfrm>
+        <a:graphic>
+          <a:graphicData uri="http://schemas.openxmlformats.org/presentationml/2006/ole">
+            <p:oleObj spid="_x0000_s9219" name="PDF" r:id="rId3" imgW="0" imgH="0" progId="FoxitReader.Document">
+              <p:embed/>
+            </p:oleObj>
+          </a:graphicData>
+        </a:graphic>
+      </p:graphicFrame>
     </p:spTree>
   </p:cSld>
   <p:clrMapOvr>
@@ -4381,6 +4411,956 @@
 </p:sld>
 </file>
 
+<file path=ppt/slides/slide21.xml><?xml version="1.0" encoding="utf-8"?>
+<p:sld xmlns:a="http://schemas.openxmlformats.org/drawingml/2006/main" xmlns:r="http://schemas.openxmlformats.org/officeDocument/2006/relationships" xmlns:p="http://schemas.openxmlformats.org/presentationml/2006/main">
+  <p:cSld>
+    <p:spTree>
+      <p:nvGrpSpPr>
+        <p:cNvPr id="1" name=""/>
+        <p:cNvGrpSpPr/>
+        <p:nvPr/>
+      </p:nvGrpSpPr>
+      <p:grpSpPr>
+        <a:xfrm>
+          <a:off x="0" y="0"/>
+          <a:ext cx="0" cy="0"/>
+          <a:chOff x="0" y="0"/>
+          <a:chExt cx="0" cy="0"/>
+        </a:xfrm>
+      </p:grpSpPr>
+      <p:sp>
+        <p:nvSpPr>
+          <p:cNvPr id="2" name="1 Título"/>
+          <p:cNvSpPr>
+            <a:spLocks noGrp="1"/>
+          </p:cNvSpPr>
+          <p:nvPr>
+            <p:ph type="title"/>
+          </p:nvPr>
+        </p:nvSpPr>
+        <p:spPr/>
+        <p:txBody>
+          <a:bodyPr/>
+          <a:lstStyle/>
+          <a:p>
+            <a:r>
+              <a:rPr lang="es-AR" dirty="0" smtClean="0"/>
+              <a:t>Agenda</a:t>
+            </a:r>
+            <a:endParaRPr lang="es-AR" dirty="0"/>
+          </a:p>
+        </p:txBody>
+      </p:sp>
+      <p:sp>
+        <p:nvSpPr>
+          <p:cNvPr id="3" name="2 Marcador de contenido"/>
+          <p:cNvSpPr>
+            <a:spLocks noGrp="1"/>
+          </p:cNvSpPr>
+          <p:nvPr>
+            <p:ph idx="1"/>
+          </p:nvPr>
+        </p:nvSpPr>
+        <p:spPr/>
+        <p:txBody>
+          <a:bodyPr/>
+          <a:lstStyle/>
+          <a:p>
+            <a:r>
+              <a:rPr lang="es-AR" dirty="0" smtClean="0">
+                <a:solidFill>
+                  <a:schemeClr val="bg1">
+                    <a:lumMod val="65000"/>
+                  </a:schemeClr>
+                </a:solidFill>
+              </a:rPr>
+              <a:t>Objetivos</a:t>
+            </a:r>
+          </a:p>
+          <a:p>
+            <a:r>
+              <a:rPr lang="es-AR" dirty="0" smtClean="0">
+                <a:solidFill>
+                  <a:schemeClr val="bg1">
+                    <a:lumMod val="65000"/>
+                  </a:schemeClr>
+                </a:solidFill>
+              </a:rPr>
+              <a:t>Breve descripción del protocolo USB</a:t>
+            </a:r>
+          </a:p>
+          <a:p>
+            <a:r>
+              <a:rPr lang="es-AR" dirty="0" smtClean="0"/>
+              <a:t>Arquitectura del sistema propuesto</a:t>
+            </a:r>
+          </a:p>
+          <a:p>
+            <a:r>
+              <a:rPr lang="es-AR" dirty="0" smtClean="0">
+                <a:solidFill>
+                  <a:schemeClr val="bg1">
+                    <a:lumMod val="65000"/>
+                  </a:schemeClr>
+                </a:solidFill>
+              </a:rPr>
+              <a:t>Componentes utilizados</a:t>
+            </a:r>
+          </a:p>
+          <a:p>
+            <a:pPr lvl="1"/>
+            <a:r>
+              <a:rPr lang="es-AR" dirty="0" smtClean="0">
+                <a:solidFill>
+                  <a:schemeClr val="bg1">
+                    <a:lumMod val="65000"/>
+                  </a:schemeClr>
+                </a:solidFill>
+              </a:rPr>
+              <a:t>CY3684 FX2LP EZ-USB DK de </a:t>
+            </a:r>
+            <a:r>
+              <a:rPr lang="es-AR" dirty="0" err="1" smtClean="0">
+                <a:solidFill>
+                  <a:schemeClr val="bg1">
+                    <a:lumMod val="65000"/>
+                  </a:schemeClr>
+                </a:solidFill>
+              </a:rPr>
+              <a:t>Cypress</a:t>
+            </a:r>
+            <a:endParaRPr lang="es-AR" dirty="0" smtClean="0">
+              <a:solidFill>
+                <a:schemeClr val="bg1">
+                  <a:lumMod val="65000"/>
+                </a:schemeClr>
+              </a:solidFill>
+            </a:endParaRPr>
+          </a:p>
+          <a:p>
+            <a:pPr lvl="1"/>
+            <a:r>
+              <a:rPr lang="es-AR" dirty="0" smtClean="0">
+                <a:solidFill>
+                  <a:schemeClr val="bg1">
+                    <a:lumMod val="65000"/>
+                  </a:schemeClr>
+                </a:solidFill>
+              </a:rPr>
+              <a:t>MOJO v3</a:t>
+            </a:r>
+          </a:p>
+          <a:p>
+            <a:pPr lvl="1"/>
+            <a:r>
+              <a:rPr lang="es-AR" dirty="0" smtClean="0">
+                <a:solidFill>
+                  <a:schemeClr val="bg1">
+                    <a:lumMod val="65000"/>
+                  </a:schemeClr>
+                </a:solidFill>
+              </a:rPr>
+              <a:t>libusb-1.0</a:t>
+            </a:r>
+          </a:p>
+          <a:p>
+            <a:endParaRPr lang="es-AR" dirty="0"/>
+          </a:p>
+        </p:txBody>
+      </p:sp>
+    </p:spTree>
+  </p:cSld>
+  <p:clrMapOvr>
+    <a:masterClrMapping/>
+  </p:clrMapOvr>
+</p:sld>
+</file>
+
+<file path=ppt/slides/slide22.xml><?xml version="1.0" encoding="utf-8"?>
+<p:sld xmlns:a="http://schemas.openxmlformats.org/drawingml/2006/main" xmlns:r="http://schemas.openxmlformats.org/officeDocument/2006/relationships" xmlns:p="http://schemas.openxmlformats.org/presentationml/2006/main">
+  <p:cSld>
+    <p:spTree>
+      <p:nvGrpSpPr>
+        <p:cNvPr id="1" name=""/>
+        <p:cNvGrpSpPr/>
+        <p:nvPr/>
+      </p:nvGrpSpPr>
+      <p:grpSpPr>
+        <a:xfrm>
+          <a:off x="0" y="0"/>
+          <a:ext cx="0" cy="0"/>
+          <a:chOff x="0" y="0"/>
+          <a:chExt cx="0" cy="0"/>
+        </a:xfrm>
+      </p:grpSpPr>
+      <p:sp>
+        <p:nvSpPr>
+          <p:cNvPr id="2" name="1 Título"/>
+          <p:cNvSpPr>
+            <a:spLocks noGrp="1"/>
+          </p:cNvSpPr>
+          <p:nvPr>
+            <p:ph type="title"/>
+          </p:nvPr>
+        </p:nvSpPr>
+        <p:spPr/>
+        <p:txBody>
+          <a:bodyPr/>
+          <a:lstStyle/>
+          <a:p>
+            <a:r>
+              <a:rPr lang="es-AR" dirty="0" smtClean="0"/>
+              <a:t>Arquitectura del Sistema</a:t>
+            </a:r>
+            <a:endParaRPr lang="es-AR" dirty="0"/>
+          </a:p>
+        </p:txBody>
+      </p:sp>
+      <p:sp>
+        <p:nvSpPr>
+          <p:cNvPr id="3" name="2 Marcador de contenido"/>
+          <p:cNvSpPr>
+            <a:spLocks noGrp="1"/>
+          </p:cNvSpPr>
+          <p:nvPr>
+            <p:ph idx="1"/>
+          </p:nvPr>
+        </p:nvSpPr>
+        <p:spPr/>
+        <p:txBody>
+          <a:bodyPr/>
+          <a:lstStyle/>
+          <a:p>
+            <a:r>
+              <a:rPr lang="es-AR" dirty="0" smtClean="0"/>
+              <a:t>Requerimientos de un sistema que posee una comunicación USB</a:t>
+            </a:r>
+            <a:endParaRPr lang="es-AR" dirty="0"/>
+          </a:p>
+        </p:txBody>
+      </p:sp>
+      <p:graphicFrame>
+        <p:nvGraphicFramePr>
+          <p:cNvPr id="10242" name="Object 2"/>
+          <p:cNvGraphicFramePr>
+            <a:graphicFrameLocks noChangeAspect="1"/>
+          </p:cNvGraphicFramePr>
+          <p:nvPr/>
+        </p:nvGraphicFramePr>
+        <p:xfrm>
+          <a:off x="251520" y="2852936"/>
+          <a:ext cx="8565112" cy="3168352"/>
+        </p:xfrm>
+        <a:graphic>
+          <a:graphicData uri="http://schemas.openxmlformats.org/presentationml/2006/ole">
+            <p:oleObj spid="_x0000_s10242" name="PDF" r:id="rId3" imgW="0" imgH="0" progId="FoxitReader.Document">
+              <p:embed/>
+            </p:oleObj>
+          </a:graphicData>
+        </a:graphic>
+      </p:graphicFrame>
+    </p:spTree>
+  </p:cSld>
+  <p:clrMapOvr>
+    <a:masterClrMapping/>
+  </p:clrMapOvr>
+</p:sld>
+</file>
+
+<file path=ppt/slides/slide23.xml><?xml version="1.0" encoding="utf-8"?>
+<p:sld xmlns:a="http://schemas.openxmlformats.org/drawingml/2006/main" xmlns:r="http://schemas.openxmlformats.org/officeDocument/2006/relationships" xmlns:p="http://schemas.openxmlformats.org/presentationml/2006/main">
+  <p:cSld>
+    <p:spTree>
+      <p:nvGrpSpPr>
+        <p:cNvPr id="1" name=""/>
+        <p:cNvGrpSpPr/>
+        <p:nvPr/>
+      </p:nvGrpSpPr>
+      <p:grpSpPr>
+        <a:xfrm>
+          <a:off x="0" y="0"/>
+          <a:ext cx="0" cy="0"/>
+          <a:chOff x="0" y="0"/>
+          <a:chExt cx="0" cy="0"/>
+        </a:xfrm>
+      </p:grpSpPr>
+      <p:sp>
+        <p:nvSpPr>
+          <p:cNvPr id="2" name="1 Título"/>
+          <p:cNvSpPr>
+            <a:spLocks noGrp="1"/>
+          </p:cNvSpPr>
+          <p:nvPr>
+            <p:ph type="title"/>
+          </p:nvPr>
+        </p:nvSpPr>
+        <p:spPr/>
+        <p:txBody>
+          <a:bodyPr/>
+          <a:lstStyle/>
+          <a:p>
+            <a:r>
+              <a:rPr lang="es-AR" dirty="0" smtClean="0"/>
+              <a:t>Arquitectura del Sistema</a:t>
+            </a:r>
+            <a:endParaRPr lang="es-AR" dirty="0"/>
+          </a:p>
+        </p:txBody>
+      </p:sp>
+      <p:sp>
+        <p:nvSpPr>
+          <p:cNvPr id="3" name="2 Marcador de contenido"/>
+          <p:cNvSpPr>
+            <a:spLocks noGrp="1"/>
+          </p:cNvSpPr>
+          <p:nvPr>
+            <p:ph idx="1"/>
+          </p:nvPr>
+        </p:nvSpPr>
+        <p:spPr/>
+        <p:txBody>
+          <a:bodyPr/>
+          <a:lstStyle/>
+          <a:p>
+            <a:r>
+              <a:rPr lang="es-AR" dirty="0" smtClean="0"/>
+              <a:t>Hacer todo en FPGA y un transceptor externo</a:t>
+            </a:r>
+            <a:endParaRPr lang="es-AR" dirty="0"/>
+          </a:p>
+        </p:txBody>
+      </p:sp>
+      <p:graphicFrame>
+        <p:nvGraphicFramePr>
+          <p:cNvPr id="11267" name="Object 3"/>
+          <p:cNvGraphicFramePr>
+            <a:graphicFrameLocks noChangeAspect="1"/>
+          </p:cNvGraphicFramePr>
+          <p:nvPr/>
+        </p:nvGraphicFramePr>
+        <p:xfrm>
+          <a:off x="323528" y="2564904"/>
+          <a:ext cx="8544783" cy="3240360"/>
+        </p:xfrm>
+        <a:graphic>
+          <a:graphicData uri="http://schemas.openxmlformats.org/presentationml/2006/ole">
+            <p:oleObj spid="_x0000_s11267" name="PDF" r:id="rId3" imgW="0" imgH="0" progId="FoxitReader.Document">
+              <p:embed/>
+            </p:oleObj>
+          </a:graphicData>
+        </a:graphic>
+      </p:graphicFrame>
+    </p:spTree>
+  </p:cSld>
+  <p:clrMapOvr>
+    <a:masterClrMapping/>
+  </p:clrMapOvr>
+</p:sld>
+</file>
+
+<file path=ppt/slides/slide24.xml><?xml version="1.0" encoding="utf-8"?>
+<p:sld xmlns:a="http://schemas.openxmlformats.org/drawingml/2006/main" xmlns:r="http://schemas.openxmlformats.org/officeDocument/2006/relationships" xmlns:p="http://schemas.openxmlformats.org/presentationml/2006/main">
+  <p:cSld>
+    <p:spTree>
+      <p:nvGrpSpPr>
+        <p:cNvPr id="1" name=""/>
+        <p:cNvGrpSpPr/>
+        <p:nvPr/>
+      </p:nvGrpSpPr>
+      <p:grpSpPr>
+        <a:xfrm>
+          <a:off x="0" y="0"/>
+          <a:ext cx="0" cy="0"/>
+          <a:chOff x="0" y="0"/>
+          <a:chExt cx="0" cy="0"/>
+        </a:xfrm>
+      </p:grpSpPr>
+      <p:sp>
+        <p:nvSpPr>
+          <p:cNvPr id="2" name="1 Título"/>
+          <p:cNvSpPr>
+            <a:spLocks noGrp="1"/>
+          </p:cNvSpPr>
+          <p:nvPr>
+            <p:ph type="title"/>
+          </p:nvPr>
+        </p:nvSpPr>
+        <p:spPr/>
+        <p:txBody>
+          <a:bodyPr/>
+          <a:lstStyle/>
+          <a:p>
+            <a:r>
+              <a:rPr lang="es-AR" dirty="0" smtClean="0"/>
+              <a:t>Arquitectura del Sistema</a:t>
+            </a:r>
+            <a:endParaRPr lang="es-AR" dirty="0"/>
+          </a:p>
+        </p:txBody>
+      </p:sp>
+      <p:sp>
+        <p:nvSpPr>
+          <p:cNvPr id="3" name="2 Marcador de contenido"/>
+          <p:cNvSpPr>
+            <a:spLocks noGrp="1"/>
+          </p:cNvSpPr>
+          <p:nvPr>
+            <p:ph idx="1"/>
+          </p:nvPr>
+        </p:nvSpPr>
+        <p:spPr/>
+        <p:txBody>
+          <a:bodyPr/>
+          <a:lstStyle/>
+          <a:p>
+            <a:r>
+              <a:rPr lang="es-AR" dirty="0" smtClean="0"/>
+              <a:t>Hacer todo en FPGA y un transceptor externo</a:t>
+            </a:r>
+          </a:p>
+          <a:p>
+            <a:pPr lvl="1"/>
+            <a:r>
+              <a:rPr lang="es-AR" dirty="0" smtClean="0"/>
+              <a:t>Pro</a:t>
+            </a:r>
+          </a:p>
+          <a:p>
+            <a:pPr lvl="2"/>
+            <a:r>
+              <a:rPr lang="es-AR" dirty="0" smtClean="0"/>
+              <a:t>Requerimiento mínimo de </a:t>
+            </a:r>
+            <a:r>
+              <a:rPr lang="es-AR" dirty="0" err="1" smtClean="0"/>
+              <a:t>harware</a:t>
+            </a:r>
+            <a:endParaRPr lang="es-AR" dirty="0" smtClean="0"/>
+          </a:p>
+          <a:p>
+            <a:pPr lvl="1"/>
+            <a:r>
+              <a:rPr lang="es-AR" dirty="0" smtClean="0"/>
+              <a:t>Contra</a:t>
+            </a:r>
+          </a:p>
+          <a:p>
+            <a:pPr lvl="2"/>
+            <a:r>
+              <a:rPr lang="es-AR" dirty="0" smtClean="0"/>
+              <a:t>Alto costo en desarrollo de una IP que realice esta tarea</a:t>
+            </a:r>
+          </a:p>
+          <a:p>
+            <a:pPr lvl="2"/>
+            <a:r>
+              <a:rPr lang="es-AR" dirty="0" smtClean="0"/>
+              <a:t>Gran consumo de recursos de la FPGA misma</a:t>
+            </a:r>
+            <a:endParaRPr lang="es-AR" dirty="0"/>
+          </a:p>
+        </p:txBody>
+      </p:sp>
+    </p:spTree>
+  </p:cSld>
+  <p:clrMapOvr>
+    <a:masterClrMapping/>
+  </p:clrMapOvr>
+</p:sld>
+</file>
+
+<file path=ppt/slides/slide25.xml><?xml version="1.0" encoding="utf-8"?>
+<p:sld xmlns:a="http://schemas.openxmlformats.org/drawingml/2006/main" xmlns:r="http://schemas.openxmlformats.org/officeDocument/2006/relationships" xmlns:p="http://schemas.openxmlformats.org/presentationml/2006/main">
+  <p:cSld>
+    <p:spTree>
+      <p:nvGrpSpPr>
+        <p:cNvPr id="1" name=""/>
+        <p:cNvGrpSpPr/>
+        <p:nvPr/>
+      </p:nvGrpSpPr>
+      <p:grpSpPr>
+        <a:xfrm>
+          <a:off x="0" y="0"/>
+          <a:ext cx="0" cy="0"/>
+          <a:chOff x="0" y="0"/>
+          <a:chExt cx="0" cy="0"/>
+        </a:xfrm>
+      </p:grpSpPr>
+      <p:sp>
+        <p:nvSpPr>
+          <p:cNvPr id="2" name="1 Título"/>
+          <p:cNvSpPr>
+            <a:spLocks noGrp="1"/>
+          </p:cNvSpPr>
+          <p:nvPr>
+            <p:ph type="title"/>
+          </p:nvPr>
+        </p:nvSpPr>
+        <p:spPr/>
+        <p:txBody>
+          <a:bodyPr/>
+          <a:lstStyle/>
+          <a:p>
+            <a:r>
+              <a:rPr lang="es-AR" dirty="0" smtClean="0"/>
+              <a:t>Arquitectura del Sistema</a:t>
+            </a:r>
+            <a:endParaRPr lang="es-AR" dirty="0"/>
+          </a:p>
+        </p:txBody>
+      </p:sp>
+      <p:sp>
+        <p:nvSpPr>
+          <p:cNvPr id="3" name="2 Marcador de contenido"/>
+          <p:cNvSpPr>
+            <a:spLocks noGrp="1"/>
+          </p:cNvSpPr>
+          <p:nvPr>
+            <p:ph idx="1"/>
+          </p:nvPr>
+        </p:nvSpPr>
+        <p:spPr/>
+        <p:txBody>
+          <a:bodyPr/>
+          <a:lstStyle/>
+          <a:p>
+            <a:r>
+              <a:rPr lang="es-AR" dirty="0" smtClean="0"/>
+              <a:t>Tener un control completo en un integrado específico y usar el FPGA con una comunicación mínima</a:t>
+            </a:r>
+            <a:endParaRPr lang="es-AR" dirty="0"/>
+          </a:p>
+        </p:txBody>
+      </p:sp>
+      <p:graphicFrame>
+        <p:nvGraphicFramePr>
+          <p:cNvPr id="13315" name="Object 3"/>
+          <p:cNvGraphicFramePr>
+            <a:graphicFrameLocks noChangeAspect="1"/>
+          </p:cNvGraphicFramePr>
+          <p:nvPr/>
+        </p:nvGraphicFramePr>
+        <p:xfrm>
+          <a:off x="76654" y="3501008"/>
+          <a:ext cx="8864887" cy="2160240"/>
+        </p:xfrm>
+        <a:graphic>
+          <a:graphicData uri="http://schemas.openxmlformats.org/presentationml/2006/ole">
+            <p:oleObj spid="_x0000_s13315" name="PDF" r:id="rId3" imgW="0" imgH="0" progId="FoxitReader.Document">
+              <p:embed/>
+            </p:oleObj>
+          </a:graphicData>
+        </a:graphic>
+      </p:graphicFrame>
+    </p:spTree>
+  </p:cSld>
+  <p:clrMapOvr>
+    <a:masterClrMapping/>
+  </p:clrMapOvr>
+</p:sld>
+</file>
+
+<file path=ppt/slides/slide26.xml><?xml version="1.0" encoding="utf-8"?>
+<p:sld xmlns:a="http://schemas.openxmlformats.org/drawingml/2006/main" xmlns:r="http://schemas.openxmlformats.org/officeDocument/2006/relationships" xmlns:p="http://schemas.openxmlformats.org/presentationml/2006/main">
+  <p:cSld>
+    <p:spTree>
+      <p:nvGrpSpPr>
+        <p:cNvPr id="1" name=""/>
+        <p:cNvGrpSpPr/>
+        <p:nvPr/>
+      </p:nvGrpSpPr>
+      <p:grpSpPr>
+        <a:xfrm>
+          <a:off x="0" y="0"/>
+          <a:ext cx="0" cy="0"/>
+          <a:chOff x="0" y="0"/>
+          <a:chExt cx="0" cy="0"/>
+        </a:xfrm>
+      </p:grpSpPr>
+      <p:sp>
+        <p:nvSpPr>
+          <p:cNvPr id="2" name="1 Título"/>
+          <p:cNvSpPr>
+            <a:spLocks noGrp="1"/>
+          </p:cNvSpPr>
+          <p:nvPr>
+            <p:ph type="title"/>
+          </p:nvPr>
+        </p:nvSpPr>
+        <p:spPr/>
+        <p:txBody>
+          <a:bodyPr/>
+          <a:lstStyle/>
+          <a:p>
+            <a:r>
+              <a:rPr lang="es-AR" dirty="0" smtClean="0"/>
+              <a:t>Arquitectura del Sistema</a:t>
+            </a:r>
+            <a:endParaRPr lang="es-AR" dirty="0"/>
+          </a:p>
+        </p:txBody>
+      </p:sp>
+      <p:sp>
+        <p:nvSpPr>
+          <p:cNvPr id="3" name="2 Marcador de contenido"/>
+          <p:cNvSpPr>
+            <a:spLocks noGrp="1"/>
+          </p:cNvSpPr>
+          <p:nvPr>
+            <p:ph idx="1"/>
+          </p:nvPr>
+        </p:nvSpPr>
+        <p:spPr/>
+        <p:txBody>
+          <a:bodyPr>
+            <a:normAutofit lnSpcReduction="10000"/>
+          </a:bodyPr>
+          <a:lstStyle/>
+          <a:p>
+            <a:r>
+              <a:rPr lang="es-AR" dirty="0" smtClean="0"/>
+              <a:t>Tener un control completo en un integrado específico y usar el FPGA con una comunicación mínima</a:t>
+            </a:r>
+          </a:p>
+          <a:p>
+            <a:pPr lvl="1"/>
+            <a:r>
+              <a:rPr lang="es-AR" dirty="0" smtClean="0"/>
+              <a:t>Pro</a:t>
+            </a:r>
+          </a:p>
+          <a:p>
+            <a:pPr lvl="2"/>
+            <a:r>
+              <a:rPr lang="es-AR" dirty="0" smtClean="0"/>
+              <a:t>Una implementación rápida y más económica</a:t>
+            </a:r>
+          </a:p>
+          <a:p>
+            <a:pPr lvl="2"/>
+            <a:r>
+              <a:rPr lang="es-AR" dirty="0" smtClean="0"/>
+              <a:t>Los recursos del FPGA liberados para el desarrollo de la aplicación específica</a:t>
+            </a:r>
+          </a:p>
+          <a:p>
+            <a:pPr lvl="1"/>
+            <a:r>
+              <a:rPr lang="es-AR" dirty="0" smtClean="0"/>
+              <a:t>Contra</a:t>
+            </a:r>
+          </a:p>
+          <a:p>
+            <a:pPr lvl="2"/>
+            <a:r>
+              <a:rPr lang="es-AR" dirty="0" smtClean="0"/>
+              <a:t>Espacio necesario en un impreso para incorporar el hardware extra</a:t>
+            </a:r>
+          </a:p>
+        </p:txBody>
+      </p:sp>
+    </p:spTree>
+  </p:cSld>
+  <p:clrMapOvr>
+    <a:masterClrMapping/>
+  </p:clrMapOvr>
+</p:sld>
+</file>
+
+<file path=ppt/slides/slide27.xml><?xml version="1.0" encoding="utf-8"?>
+<p:sld xmlns:a="http://schemas.openxmlformats.org/drawingml/2006/main" xmlns:r="http://schemas.openxmlformats.org/officeDocument/2006/relationships" xmlns:p="http://schemas.openxmlformats.org/presentationml/2006/main">
+  <p:cSld>
+    <p:spTree>
+      <p:nvGrpSpPr>
+        <p:cNvPr id="1" name=""/>
+        <p:cNvGrpSpPr/>
+        <p:nvPr/>
+      </p:nvGrpSpPr>
+      <p:grpSpPr>
+        <a:xfrm>
+          <a:off x="0" y="0"/>
+          <a:ext cx="0" cy="0"/>
+          <a:chOff x="0" y="0"/>
+          <a:chExt cx="0" cy="0"/>
+        </a:xfrm>
+      </p:grpSpPr>
+      <p:sp>
+        <p:nvSpPr>
+          <p:cNvPr id="2" name="1 Título"/>
+          <p:cNvSpPr>
+            <a:spLocks noGrp="1"/>
+          </p:cNvSpPr>
+          <p:nvPr>
+            <p:ph type="title"/>
+          </p:nvPr>
+        </p:nvSpPr>
+        <p:spPr/>
+        <p:txBody>
+          <a:bodyPr/>
+          <a:lstStyle/>
+          <a:p>
+            <a:r>
+              <a:rPr lang="es-AR" dirty="0" smtClean="0"/>
+              <a:t>Agenda</a:t>
+            </a:r>
+            <a:endParaRPr lang="es-AR" dirty="0"/>
+          </a:p>
+        </p:txBody>
+      </p:sp>
+      <p:sp>
+        <p:nvSpPr>
+          <p:cNvPr id="3" name="2 Marcador de contenido"/>
+          <p:cNvSpPr>
+            <a:spLocks noGrp="1"/>
+          </p:cNvSpPr>
+          <p:nvPr>
+            <p:ph idx="1"/>
+          </p:nvPr>
+        </p:nvSpPr>
+        <p:spPr/>
+        <p:txBody>
+          <a:bodyPr/>
+          <a:lstStyle/>
+          <a:p>
+            <a:r>
+              <a:rPr lang="es-AR" dirty="0" smtClean="0">
+                <a:solidFill>
+                  <a:schemeClr val="bg1">
+                    <a:lumMod val="65000"/>
+                  </a:schemeClr>
+                </a:solidFill>
+              </a:rPr>
+              <a:t>Objetivos</a:t>
+            </a:r>
+          </a:p>
+          <a:p>
+            <a:r>
+              <a:rPr lang="es-AR" dirty="0" smtClean="0">
+                <a:solidFill>
+                  <a:schemeClr val="bg1">
+                    <a:lumMod val="65000"/>
+                  </a:schemeClr>
+                </a:solidFill>
+              </a:rPr>
+              <a:t>Breve descripción del protocolo USB</a:t>
+            </a:r>
+          </a:p>
+          <a:p>
+            <a:r>
+              <a:rPr lang="es-AR" dirty="0" smtClean="0">
+                <a:solidFill>
+                  <a:schemeClr val="bg1">
+                    <a:lumMod val="65000"/>
+                  </a:schemeClr>
+                </a:solidFill>
+              </a:rPr>
+              <a:t>Arquitectura del sistema propuesto</a:t>
+            </a:r>
+          </a:p>
+          <a:p>
+            <a:r>
+              <a:rPr lang="es-AR" dirty="0" smtClean="0"/>
+              <a:t>Componentes utilizados</a:t>
+            </a:r>
+          </a:p>
+          <a:p>
+            <a:pPr lvl="1"/>
+            <a:r>
+              <a:rPr lang="es-AR" dirty="0" smtClean="0"/>
+              <a:t>CY3684 FX2LP EZ-USB DK de </a:t>
+            </a:r>
+            <a:r>
+              <a:rPr lang="es-AR" dirty="0" err="1" smtClean="0"/>
+              <a:t>Cypress</a:t>
+            </a:r>
+            <a:endParaRPr lang="es-AR" dirty="0" smtClean="0"/>
+          </a:p>
+          <a:p>
+            <a:pPr lvl="1"/>
+            <a:r>
+              <a:rPr lang="es-AR" dirty="0" smtClean="0"/>
+              <a:t>MOJO v3</a:t>
+            </a:r>
+          </a:p>
+          <a:p>
+            <a:pPr lvl="1"/>
+            <a:r>
+              <a:rPr lang="es-AR" dirty="0" smtClean="0"/>
+              <a:t>libusb-1.0</a:t>
+            </a:r>
+          </a:p>
+          <a:p>
+            <a:endParaRPr lang="es-AR" dirty="0"/>
+          </a:p>
+        </p:txBody>
+      </p:sp>
+    </p:spTree>
+  </p:cSld>
+  <p:clrMapOvr>
+    <a:masterClrMapping/>
+  </p:clrMapOvr>
+</p:sld>
+</file>
+
+<file path=ppt/slides/slide28.xml><?xml version="1.0" encoding="utf-8"?>
+<p:sld xmlns:a="http://schemas.openxmlformats.org/drawingml/2006/main" xmlns:r="http://schemas.openxmlformats.org/officeDocument/2006/relationships" xmlns:p="http://schemas.openxmlformats.org/presentationml/2006/main">
+  <p:cSld>
+    <p:spTree>
+      <p:nvGrpSpPr>
+        <p:cNvPr id="1" name=""/>
+        <p:cNvGrpSpPr/>
+        <p:nvPr/>
+      </p:nvGrpSpPr>
+      <p:grpSpPr>
+        <a:xfrm>
+          <a:off x="0" y="0"/>
+          <a:ext cx="0" cy="0"/>
+          <a:chOff x="0" y="0"/>
+          <a:chExt cx="0" cy="0"/>
+        </a:xfrm>
+      </p:grpSpPr>
+      <p:sp>
+        <p:nvSpPr>
+          <p:cNvPr id="2" name="1 Título"/>
+          <p:cNvSpPr>
+            <a:spLocks noGrp="1"/>
+          </p:cNvSpPr>
+          <p:nvPr>
+            <p:ph type="title"/>
+          </p:nvPr>
+        </p:nvSpPr>
+        <p:spPr/>
+        <p:txBody>
+          <a:bodyPr/>
+          <a:lstStyle/>
+          <a:p>
+            <a:r>
+              <a:rPr lang="es-AR" dirty="0" smtClean="0"/>
+              <a:t>Arquitectura del Sistema</a:t>
+            </a:r>
+            <a:endParaRPr lang="es-AR" dirty="0"/>
+          </a:p>
+        </p:txBody>
+      </p:sp>
+      <p:graphicFrame>
+        <p:nvGraphicFramePr>
+          <p:cNvPr id="15362" name="Object 2"/>
+          <p:cNvGraphicFramePr>
+            <a:graphicFrameLocks noChangeAspect="1"/>
+          </p:cNvGraphicFramePr>
+          <p:nvPr/>
+        </p:nvGraphicFramePr>
+        <p:xfrm>
+          <a:off x="143508" y="2780928"/>
+          <a:ext cx="8820980" cy="1960218"/>
+        </p:xfrm>
+        <a:graphic>
+          <a:graphicData uri="http://schemas.openxmlformats.org/presentationml/2006/ole">
+            <p:oleObj spid="_x0000_s15362" name="PDF" r:id="rId3" imgW="0" imgH="0" progId="FoxitReader.Document">
+              <p:embed/>
+            </p:oleObj>
+          </a:graphicData>
+        </a:graphic>
+      </p:graphicFrame>
+    </p:spTree>
+  </p:cSld>
+  <p:clrMapOvr>
+    <a:masterClrMapping/>
+  </p:clrMapOvr>
+</p:sld>
+</file>
+
+<file path=ppt/slides/slide29.xml><?xml version="1.0" encoding="utf-8"?>
+<p:sld xmlns:a="http://schemas.openxmlformats.org/drawingml/2006/main" xmlns:r="http://schemas.openxmlformats.org/officeDocument/2006/relationships" xmlns:p="http://schemas.openxmlformats.org/presentationml/2006/main">
+  <p:cSld>
+    <p:spTree>
+      <p:nvGrpSpPr>
+        <p:cNvPr id="1" name=""/>
+        <p:cNvGrpSpPr/>
+        <p:nvPr/>
+      </p:nvGrpSpPr>
+      <p:grpSpPr>
+        <a:xfrm>
+          <a:off x="0" y="0"/>
+          <a:ext cx="0" cy="0"/>
+          <a:chOff x="0" y="0"/>
+          <a:chExt cx="0" cy="0"/>
+        </a:xfrm>
+      </p:grpSpPr>
+      <p:sp>
+        <p:nvSpPr>
+          <p:cNvPr id="2" name="1 Título"/>
+          <p:cNvSpPr>
+            <a:spLocks noGrp="1"/>
+          </p:cNvSpPr>
+          <p:nvPr>
+            <p:ph type="title"/>
+          </p:nvPr>
+        </p:nvSpPr>
+        <p:spPr/>
+        <p:txBody>
+          <a:bodyPr>
+            <a:normAutofit fontScale="90000"/>
+          </a:bodyPr>
+          <a:lstStyle/>
+          <a:p>
+            <a:r>
+              <a:rPr lang="es-AR" dirty="0" smtClean="0"/>
+              <a:t>CY3684 FX2LP EZ-</a:t>
+            </a:r>
+            <a:r>
+              <a:rPr lang="es-AR" dirty="0" err="1" smtClean="0"/>
+              <a:t>Development</a:t>
+            </a:r>
+            <a:r>
+              <a:rPr lang="es-AR" dirty="0" smtClean="0"/>
+              <a:t> Kit</a:t>
+            </a:r>
+            <a:br>
+              <a:rPr lang="es-AR" dirty="0" smtClean="0"/>
+            </a:br>
+            <a:r>
+              <a:rPr lang="es-AR" dirty="0" smtClean="0"/>
+              <a:t>CY7C68013A</a:t>
+            </a:r>
+            <a:endParaRPr lang="es-AR" dirty="0"/>
+          </a:p>
+        </p:txBody>
+      </p:sp>
+      <p:pic>
+        <p:nvPicPr>
+          <p:cNvPr id="16387" name="Picture 3" descr="G:\Facultad\Trabajo Final\lechuzing\Presentacion\img\32cypressboard.png"/>
+          <p:cNvPicPr>
+            <a:picLocks noChangeAspect="1" noChangeArrowheads="1"/>
+          </p:cNvPicPr>
+          <p:nvPr/>
+        </p:nvPicPr>
+        <p:blipFill>
+          <a:blip r:embed="rId2" cstate="print"/>
+          <a:srcRect/>
+          <a:stretch>
+            <a:fillRect/>
+          </a:stretch>
+        </p:blipFill>
+        <p:spPr bwMode="auto">
+          <a:xfrm rot="16200000">
+            <a:off x="2164862" y="363531"/>
+            <a:ext cx="4647848" cy="7034371"/>
+          </a:xfrm>
+          <a:prstGeom prst="rect">
+            <a:avLst/>
+          </a:prstGeom>
+          <a:noFill/>
+        </p:spPr>
+      </p:pic>
+    </p:spTree>
+  </p:cSld>
+  <p:clrMapOvr>
+    <a:masterClrMapping/>
+  </p:clrMapOvr>
+</p:sld>
+</file>
+
 <file path=ppt/slides/slide3.xml><?xml version="1.0" encoding="utf-8"?>
 <p:sld xmlns:a="http://schemas.openxmlformats.org/drawingml/2006/main" xmlns:r="http://schemas.openxmlformats.org/officeDocument/2006/relationships" xmlns:p="http://schemas.openxmlformats.org/presentationml/2006/main">
   <p:cSld>
@@ -4418,6 +5398,71 @@
           </a:graphicData>
         </a:graphic>
       </p:graphicFrame>
+    </p:spTree>
+  </p:cSld>
+  <p:clrMapOvr>
+    <a:masterClrMapping/>
+  </p:clrMapOvr>
+</p:sld>
+</file>
+
+<file path=ppt/slides/slide30.xml><?xml version="1.0" encoding="utf-8"?>
+<p:sld xmlns:a="http://schemas.openxmlformats.org/drawingml/2006/main" xmlns:r="http://schemas.openxmlformats.org/officeDocument/2006/relationships" xmlns:p="http://schemas.openxmlformats.org/presentationml/2006/main">
+  <p:cSld>
+    <p:spTree>
+      <p:nvGrpSpPr>
+        <p:cNvPr id="1" name=""/>
+        <p:cNvGrpSpPr/>
+        <p:nvPr/>
+      </p:nvGrpSpPr>
+      <p:grpSpPr>
+        <a:xfrm>
+          <a:off x="0" y="0"/>
+          <a:ext cx="0" cy="0"/>
+          <a:chOff x="0" y="0"/>
+          <a:chExt cx="0" cy="0"/>
+        </a:xfrm>
+      </p:grpSpPr>
+      <p:sp>
+        <p:nvSpPr>
+          <p:cNvPr id="2" name="1 Título"/>
+          <p:cNvSpPr>
+            <a:spLocks noGrp="1"/>
+          </p:cNvSpPr>
+          <p:nvPr>
+            <p:ph type="title"/>
+          </p:nvPr>
+        </p:nvSpPr>
+        <p:spPr/>
+        <p:txBody>
+          <a:bodyPr>
+            <a:normAutofit fontScale="90000"/>
+          </a:bodyPr>
+          <a:lstStyle/>
+          <a:p>
+            <a:r>
+              <a:rPr lang="es-AR" dirty="0" smtClean="0"/>
+              <a:t>CY3684 FX2LP EZ-</a:t>
+            </a:r>
+            <a:r>
+              <a:rPr lang="es-AR" dirty="0" err="1" smtClean="0"/>
+              <a:t>Development</a:t>
+            </a:r>
+            <a:r>
+              <a:rPr lang="es-AR" dirty="0" smtClean="0"/>
+              <a:t> Kit</a:t>
+            </a:r>
+            <a:br>
+              <a:rPr lang="es-AR" dirty="0" smtClean="0"/>
+            </a:br>
+            <a:r>
+              <a:rPr lang="es-AR" dirty="0" smtClean="0"/>
+              <a:t>CY7C68013A</a:t>
+            </a:r>
+            <a:endParaRPr lang="es-AR" dirty="0"/>
+          </a:p>
+        </p:txBody>
+      </p:sp>
     </p:spTree>
   </p:cSld>
   <p:clrMapOvr>

--- a/Presentacion/presentacion.pptx
+++ b/Presentacion/presentacion.pptx
@@ -11,30 +11,37 @@
     <p:sldId id="259" r:id="rId5"/>
     <p:sldId id="260" r:id="rId6"/>
     <p:sldId id="261" r:id="rId7"/>
-    <p:sldId id="262" r:id="rId8"/>
-    <p:sldId id="263" r:id="rId9"/>
-    <p:sldId id="264" r:id="rId10"/>
-    <p:sldId id="265" r:id="rId11"/>
-    <p:sldId id="266" r:id="rId12"/>
-    <p:sldId id="267" r:id="rId13"/>
-    <p:sldId id="268" r:id="rId14"/>
-    <p:sldId id="269" r:id="rId15"/>
-    <p:sldId id="275" r:id="rId16"/>
-    <p:sldId id="270" r:id="rId17"/>
-    <p:sldId id="271" r:id="rId18"/>
-    <p:sldId id="272" r:id="rId19"/>
-    <p:sldId id="273" r:id="rId20"/>
-    <p:sldId id="274" r:id="rId21"/>
-    <p:sldId id="276" r:id="rId22"/>
-    <p:sldId id="277" r:id="rId23"/>
-    <p:sldId id="278" r:id="rId24"/>
-    <p:sldId id="279" r:id="rId25"/>
-    <p:sldId id="280" r:id="rId26"/>
-    <p:sldId id="281" r:id="rId27"/>
-    <p:sldId id="284" r:id="rId28"/>
-    <p:sldId id="283" r:id="rId29"/>
-    <p:sldId id="285" r:id="rId30"/>
-    <p:sldId id="286" r:id="rId31"/>
+    <p:sldId id="291" r:id="rId8"/>
+    <p:sldId id="292" r:id="rId9"/>
+    <p:sldId id="262" r:id="rId10"/>
+    <p:sldId id="263" r:id="rId11"/>
+    <p:sldId id="264" r:id="rId12"/>
+    <p:sldId id="265" r:id="rId13"/>
+    <p:sldId id="266" r:id="rId14"/>
+    <p:sldId id="267" r:id="rId15"/>
+    <p:sldId id="268" r:id="rId16"/>
+    <p:sldId id="269" r:id="rId17"/>
+    <p:sldId id="275" r:id="rId18"/>
+    <p:sldId id="270" r:id="rId19"/>
+    <p:sldId id="271" r:id="rId20"/>
+    <p:sldId id="272" r:id="rId21"/>
+    <p:sldId id="273" r:id="rId22"/>
+    <p:sldId id="274" r:id="rId23"/>
+    <p:sldId id="276" r:id="rId24"/>
+    <p:sldId id="277" r:id="rId25"/>
+    <p:sldId id="278" r:id="rId26"/>
+    <p:sldId id="279" r:id="rId27"/>
+    <p:sldId id="280" r:id="rId28"/>
+    <p:sldId id="281" r:id="rId29"/>
+    <p:sldId id="284" r:id="rId30"/>
+    <p:sldId id="283" r:id="rId31"/>
+    <p:sldId id="285" r:id="rId32"/>
+    <p:sldId id="286" r:id="rId33"/>
+    <p:sldId id="288" r:id="rId34"/>
+    <p:sldId id="287" r:id="rId35"/>
+    <p:sldId id="289" r:id="rId36"/>
+    <p:sldId id="290" r:id="rId37"/>
+    <p:sldId id="293" r:id="rId38"/>
   </p:sldIdLst>
   <p:sldSz cx="9144000" cy="6858000" type="screen4x3"/>
   <p:notesSz cx="6858000" cy="9144000"/>
@@ -3224,28 +3231,19 @@
         </p:nvSpPr>
         <p:spPr/>
         <p:txBody>
-          <a:bodyPr>
-            <a:normAutofit/>
-          </a:bodyPr>
-          <a:lstStyle/>
-          <a:p>
-            <a:r>
-              <a:rPr lang="es-AR" dirty="0" smtClean="0"/>
-              <a:t>Objetivos Particulares</a:t>
+          <a:bodyPr/>
+          <a:lstStyle/>
+          <a:p>
+            <a:r>
+              <a:rPr lang="es-AR" dirty="0" smtClean="0"/>
+              <a:t>Objetivo General</a:t>
             </a:r>
           </a:p>
           <a:p>
             <a:pPr lvl="1"/>
             <a:r>
               <a:rPr lang="es-AR" dirty="0" smtClean="0"/>
-              <a:t>Diseñar un circuito impreso que permita la interconexión de las placas de desarrollo</a:t>
-            </a:r>
-          </a:p>
-          <a:p>
-            <a:pPr lvl="1"/>
-            <a:r>
-              <a:rPr lang="es-AR" dirty="0" smtClean="0"/>
-              <a:t>Implementar un programa de computadoras que permita validar la conexión</a:t>
+              <a:t>Realizar una efectiva comunicación entre una FPGA y una PC mediante el protocolo USB 2.0</a:t>
             </a:r>
           </a:p>
           <a:p>
@@ -3298,7 +3296,7 @@
           <a:p>
             <a:r>
               <a:rPr lang="es-AR" dirty="0" smtClean="0"/>
-              <a:t>Agenda</a:t>
+              <a:t>Objetivos</a:t>
             </a:r>
             <a:endParaRPr lang="es-AR" dirty="0"/>
           </a:p>
@@ -3316,107 +3314,54 @@
         </p:nvSpPr>
         <p:spPr/>
         <p:txBody>
-          <a:bodyPr/>
-          <a:lstStyle/>
-          <a:p>
-            <a:r>
-              <a:rPr lang="es-AR" dirty="0" smtClean="0">
-                <a:solidFill>
-                  <a:schemeClr val="bg1">
-                    <a:lumMod val="65000"/>
-                  </a:schemeClr>
-                </a:solidFill>
-              </a:rPr>
-              <a:t>Objetivos</a:t>
-            </a:r>
-          </a:p>
-          <a:p>
-            <a:r>
-              <a:rPr lang="es-AR" dirty="0" smtClean="0"/>
-              <a:t>Breve descripción del protocolo USB</a:t>
-            </a:r>
-          </a:p>
-          <a:p>
-            <a:r>
-              <a:rPr lang="es-AR" dirty="0" smtClean="0">
-                <a:solidFill>
-                  <a:schemeClr val="bg1">
-                    <a:lumMod val="65000"/>
-                  </a:schemeClr>
-                </a:solidFill>
-              </a:rPr>
-              <a:t>Arquitectura del sistema propuesto</a:t>
-            </a:r>
-          </a:p>
-          <a:p>
-            <a:r>
-              <a:rPr lang="es-AR" dirty="0" smtClean="0">
-                <a:solidFill>
-                  <a:schemeClr val="bg1">
-                    <a:lumMod val="65000"/>
-                  </a:schemeClr>
-                </a:solidFill>
-              </a:rPr>
-              <a:t>Componentes utilizados</a:t>
+          <a:bodyPr>
+            <a:normAutofit/>
+          </a:bodyPr>
+          <a:lstStyle/>
+          <a:p>
+            <a:r>
+              <a:rPr lang="es-AR" dirty="0" smtClean="0"/>
+              <a:t>Objetivos Particulares</a:t>
             </a:r>
           </a:p>
           <a:p>
             <a:pPr lvl="1"/>
             <a:r>
-              <a:rPr lang="es-AR" dirty="0" smtClean="0">
-                <a:solidFill>
-                  <a:schemeClr val="bg1">
-                    <a:lumMod val="65000"/>
-                  </a:schemeClr>
-                </a:solidFill>
-              </a:rPr>
-              <a:t>CY3684 FX2LP EZ-USB DK de </a:t>
-            </a:r>
-            <a:r>
-              <a:rPr lang="es-AR" dirty="0" err="1" smtClean="0">
-                <a:solidFill>
-                  <a:schemeClr val="bg1">
-                    <a:lumMod val="65000"/>
-                  </a:schemeClr>
-                </a:solidFill>
-              </a:rPr>
+              <a:rPr lang="es-AR" dirty="0" smtClean="0"/>
+              <a:t>Comprender el funcionamiento de la placa de desarrollo CY3684 y el </a:t>
+            </a:r>
+            <a:r>
+              <a:rPr lang="es-AR" dirty="0" err="1" smtClean="0"/>
+              <a:t>framework</a:t>
+            </a:r>
+            <a:r>
+              <a:rPr lang="es-AR" dirty="0" smtClean="0"/>
+              <a:t> provisto por </a:t>
+            </a:r>
+            <a:r>
+              <a:rPr lang="es-AR" dirty="0" err="1" smtClean="0"/>
               <a:t>Cypress</a:t>
             </a:r>
-            <a:endParaRPr lang="es-AR" dirty="0" smtClean="0">
-              <a:solidFill>
-                <a:schemeClr val="bg1">
-                  <a:lumMod val="65000"/>
-                </a:schemeClr>
-              </a:solidFill>
-            </a:endParaRPr>
+            <a:endParaRPr lang="es-AR" dirty="0" smtClean="0"/>
           </a:p>
           <a:p>
             <a:pPr lvl="1"/>
             <a:r>
-              <a:rPr lang="es-AR" dirty="0" smtClean="0">
-                <a:solidFill>
-                  <a:schemeClr val="bg1">
-                    <a:lumMod val="65000"/>
-                  </a:schemeClr>
-                </a:solidFill>
-              </a:rPr>
-              <a:t>MOJO v3</a:t>
+              <a:rPr lang="es-AR" dirty="0" smtClean="0"/>
+              <a:t>Realizar la Configuración del chip CY7C68014A</a:t>
             </a:r>
           </a:p>
           <a:p>
             <a:pPr lvl="1"/>
             <a:r>
-              <a:rPr lang="es-AR" dirty="0" smtClean="0">
-                <a:solidFill>
-                  <a:schemeClr val="bg1">
-                    <a:lumMod val="65000"/>
-                  </a:schemeClr>
-                </a:solidFill>
-              </a:rPr>
-              <a:t>libusb-1.0</a:t>
-            </a:r>
-          </a:p>
-          <a:p>
+              <a:rPr lang="es-AR" dirty="0" smtClean="0"/>
+              <a:t>Sintetizar un circuito con VHDL que pueda manejar las memorias FIFO esclavas del integrado CY768014A</a:t>
+            </a:r>
+          </a:p>
+          <a:p>
+            <a:pPr>
+              <a:buNone/>
+            </a:pPr>
             <a:endParaRPr lang="es-AR" dirty="0"/>
           </a:p>
         </p:txBody>
@@ -3463,7 +3408,7 @@
           <a:p>
             <a:r>
               <a:rPr lang="es-AR" dirty="0" smtClean="0"/>
-              <a:t>Norma USB revisión 2.0 </a:t>
+              <a:t>Objetivos</a:t>
             </a:r>
             <a:endParaRPr lang="es-AR" dirty="0"/>
           </a:p>
@@ -3481,34 +3426,34 @@
         </p:nvSpPr>
         <p:spPr/>
         <p:txBody>
-          <a:bodyPr/>
-          <a:lstStyle/>
-          <a:p>
-            <a:r>
-              <a:rPr lang="es-AR" dirty="0" smtClean="0"/>
-              <a:t>Objetivos de la norma</a:t>
+          <a:bodyPr>
+            <a:normAutofit/>
+          </a:bodyPr>
+          <a:lstStyle/>
+          <a:p>
+            <a:r>
+              <a:rPr lang="es-AR" dirty="0" smtClean="0"/>
+              <a:t>Objetivos Particulares</a:t>
             </a:r>
           </a:p>
           <a:p>
             <a:pPr lvl="1"/>
             <a:r>
               <a:rPr lang="es-AR" dirty="0" smtClean="0"/>
-              <a:t>Conexión de teléfonos a la PC</a:t>
+              <a:t>Diseñar un circuito impreso que permita la interconexión de las placas de desarrollo</a:t>
             </a:r>
           </a:p>
           <a:p>
             <a:pPr lvl="1"/>
             <a:r>
               <a:rPr lang="es-AR" dirty="0" smtClean="0"/>
-              <a:t>Facilidad de uso</a:t>
-            </a:r>
-          </a:p>
-          <a:p>
-            <a:pPr lvl="1"/>
-            <a:r>
-              <a:rPr lang="es-AR" dirty="0" smtClean="0"/>
-              <a:t>Proveer puerto de expansión</a:t>
-            </a:r>
+              <a:t>Implementar un programa de computadoras que permita validar la conexión</a:t>
+            </a:r>
+          </a:p>
+          <a:p>
+            <a:pPr>
+              <a:buNone/>
+            </a:pPr>
             <a:endParaRPr lang="es-AR" dirty="0"/>
           </a:p>
         </p:txBody>
@@ -3555,7 +3500,7 @@
           <a:p>
             <a:r>
               <a:rPr lang="es-AR" dirty="0" smtClean="0"/>
-              <a:t>Norma USB revisión 2.0 </a:t>
+              <a:t>Agenda</a:t>
             </a:r>
             <a:endParaRPr lang="es-AR" dirty="0"/>
           </a:p>
@@ -3577,38 +3522,107 @@
           <a:lstStyle/>
           <a:p>
             <a:r>
-              <a:rPr lang="es-AR" dirty="0" smtClean="0"/>
-              <a:t>Topología del USB</a:t>
-            </a:r>
-          </a:p>
-          <a:p>
-            <a:pPr>
-              <a:buNone/>
-            </a:pPr>
+              <a:rPr lang="es-AR" dirty="0" smtClean="0">
+                <a:solidFill>
+                  <a:schemeClr val="bg1">
+                    <a:lumMod val="65000"/>
+                  </a:schemeClr>
+                </a:solidFill>
+              </a:rPr>
+              <a:t>Objetivos</a:t>
+            </a:r>
+          </a:p>
+          <a:p>
+            <a:r>
+              <a:rPr lang="es-AR" dirty="0" smtClean="0"/>
+              <a:t>Breve descripción del protocolo USB</a:t>
+            </a:r>
+          </a:p>
+          <a:p>
+            <a:r>
+              <a:rPr lang="es-AR" dirty="0" smtClean="0">
+                <a:solidFill>
+                  <a:schemeClr val="bg1">
+                    <a:lumMod val="65000"/>
+                  </a:schemeClr>
+                </a:solidFill>
+              </a:rPr>
+              <a:t>Arquitectura del sistema propuesto</a:t>
+            </a:r>
+          </a:p>
+          <a:p>
+            <a:r>
+              <a:rPr lang="es-AR" dirty="0" smtClean="0">
+                <a:solidFill>
+                  <a:schemeClr val="bg1">
+                    <a:lumMod val="65000"/>
+                  </a:schemeClr>
+                </a:solidFill>
+              </a:rPr>
+              <a:t>Componentes utilizados</a:t>
+            </a:r>
+          </a:p>
+          <a:p>
+            <a:pPr lvl="1"/>
+            <a:r>
+              <a:rPr lang="es-AR" dirty="0" smtClean="0">
+                <a:solidFill>
+                  <a:schemeClr val="bg1">
+                    <a:lumMod val="65000"/>
+                  </a:schemeClr>
+                </a:solidFill>
+              </a:rPr>
+              <a:t>CY3684 FX2LP EZ-USB DK de </a:t>
+            </a:r>
+            <a:r>
+              <a:rPr lang="es-AR" dirty="0" err="1" smtClean="0">
+                <a:solidFill>
+                  <a:schemeClr val="bg1">
+                    <a:lumMod val="65000"/>
+                  </a:schemeClr>
+                </a:solidFill>
+              </a:rPr>
+              <a:t>Cypress</a:t>
+            </a:r>
+            <a:endParaRPr lang="es-AR" dirty="0" smtClean="0">
+              <a:solidFill>
+                <a:schemeClr val="bg1">
+                  <a:lumMod val="65000"/>
+                </a:schemeClr>
+              </a:solidFill>
+            </a:endParaRPr>
+          </a:p>
+          <a:p>
+            <a:pPr lvl="1"/>
+            <a:r>
+              <a:rPr lang="es-AR" dirty="0" smtClean="0">
+                <a:solidFill>
+                  <a:schemeClr val="bg1">
+                    <a:lumMod val="65000"/>
+                  </a:schemeClr>
+                </a:solidFill>
+              </a:rPr>
+              <a:t>MOJO v3</a:t>
+            </a:r>
+          </a:p>
+          <a:p>
+            <a:pPr lvl="1"/>
+            <a:r>
+              <a:rPr lang="es-AR" dirty="0" smtClean="0">
+                <a:solidFill>
+                  <a:schemeClr val="bg1">
+                    <a:lumMod val="65000"/>
+                  </a:schemeClr>
+                </a:solidFill>
+              </a:rPr>
+              <a:t>libusb-1.0</a:t>
+            </a:r>
+          </a:p>
+          <a:p>
             <a:endParaRPr lang="es-AR" dirty="0"/>
           </a:p>
         </p:txBody>
       </p:sp>
-      <p:graphicFrame>
-        <p:nvGraphicFramePr>
-          <p:cNvPr id="3075" name="Object 3"/>
-          <p:cNvGraphicFramePr>
-            <a:graphicFrameLocks noChangeAspect="1"/>
-          </p:cNvGraphicFramePr>
-          <p:nvPr/>
-        </p:nvGraphicFramePr>
-        <p:xfrm>
-          <a:off x="1979712" y="2276872"/>
-          <a:ext cx="5688632" cy="4393351"/>
-        </p:xfrm>
-        <a:graphic>
-          <a:graphicData uri="http://schemas.openxmlformats.org/presentationml/2006/ole">
-            <p:oleObj spid="_x0000_s3075" name="PDF" r:id="rId3" imgW="0" imgH="0" progId="FoxitReader.Document">
-              <p:embed/>
-            </p:oleObj>
-          </a:graphicData>
-        </a:graphic>
-      </p:graphicFrame>
     </p:spTree>
   </p:cSld>
   <p:clrMapOvr>
@@ -3674,37 +3688,33 @@
           <a:p>
             <a:r>
               <a:rPr lang="es-AR" dirty="0" smtClean="0"/>
-              <a:t>Topología física del USB</a:t>
-            </a:r>
-          </a:p>
-          <a:p>
-            <a:pPr>
-              <a:buNone/>
-            </a:pPr>
+              <a:t>Objetivos de la norma</a:t>
+            </a:r>
+          </a:p>
+          <a:p>
+            <a:pPr lvl="1"/>
+            <a:r>
+              <a:rPr lang="es-AR" dirty="0" smtClean="0"/>
+              <a:t>Conexión de teléfonos a la PC</a:t>
+            </a:r>
+          </a:p>
+          <a:p>
+            <a:pPr lvl="1"/>
+            <a:r>
+              <a:rPr lang="es-AR" dirty="0" smtClean="0"/>
+              <a:t>Facilidad de uso</a:t>
+            </a:r>
+          </a:p>
+          <a:p>
+            <a:pPr lvl="1"/>
+            <a:r>
+              <a:rPr lang="es-AR" dirty="0" smtClean="0"/>
+              <a:t>Proveer puerto de expansión</a:t>
+            </a:r>
             <a:endParaRPr lang="es-AR" dirty="0"/>
           </a:p>
         </p:txBody>
       </p:sp>
-      <p:graphicFrame>
-        <p:nvGraphicFramePr>
-          <p:cNvPr id="4100" name="Object 4"/>
-          <p:cNvGraphicFramePr>
-            <a:graphicFrameLocks noChangeAspect="1"/>
-          </p:cNvGraphicFramePr>
-          <p:nvPr/>
-        </p:nvGraphicFramePr>
-        <p:xfrm>
-          <a:off x="2339752" y="2132856"/>
-          <a:ext cx="4627831" cy="4464496"/>
-        </p:xfrm>
-        <a:graphic>
-          <a:graphicData uri="http://schemas.openxmlformats.org/presentationml/2006/ole">
-            <p:oleObj spid="_x0000_s4100" name="PDF" r:id="rId3" imgW="0" imgH="0" progId="FoxitReader.Document">
-              <p:embed/>
-            </p:oleObj>
-          </a:graphicData>
-        </a:graphic>
-      </p:graphicFrame>
     </p:spTree>
   </p:cSld>
   <p:clrMapOvr>
@@ -3747,7 +3757,7 @@
           <a:p>
             <a:r>
               <a:rPr lang="es-AR" dirty="0" smtClean="0"/>
-              <a:t>Norma USB revisión 2.0</a:t>
+              <a:t>Norma USB revisión 2.0 </a:t>
             </a:r>
             <a:endParaRPr lang="es-AR" dirty="0"/>
           </a:p>
@@ -3770,13 +3780,8 @@
           <a:p>
             <a:r>
               <a:rPr lang="es-AR" dirty="0" smtClean="0"/>
-              <a:t>Importancia del </a:t>
-            </a:r>
-            <a:r>
-              <a:rPr lang="es-AR" dirty="0" err="1" smtClean="0"/>
-              <a:t>Hub</a:t>
-            </a:r>
-            <a:endParaRPr lang="es-AR" dirty="0" smtClean="0"/>
+              <a:t>Topología del USB</a:t>
+            </a:r>
           </a:p>
           <a:p>
             <a:pPr>
@@ -3788,19 +3793,19 @@
       </p:sp>
       <p:graphicFrame>
         <p:nvGraphicFramePr>
-          <p:cNvPr id="9219" name="Object 3"/>
+          <p:cNvPr id="3075" name="Object 3"/>
           <p:cNvGraphicFramePr>
             <a:graphicFrameLocks noChangeAspect="1"/>
           </p:cNvGraphicFramePr>
           <p:nvPr/>
         </p:nvGraphicFramePr>
         <p:xfrm>
-          <a:off x="467544" y="2780928"/>
-          <a:ext cx="8276304" cy="3168352"/>
+          <a:off x="1979712" y="2276872"/>
+          <a:ext cx="5688632" cy="4393351"/>
         </p:xfrm>
         <a:graphic>
           <a:graphicData uri="http://schemas.openxmlformats.org/presentationml/2006/ole">
-            <p:oleObj spid="_x0000_s9219" name="PDF" r:id="rId3" imgW="0" imgH="0" progId="FoxitReader.Document">
+            <p:oleObj spid="_x0000_s3075" name="PDF" r:id="rId3" imgW="0" imgH="0" progId="FoxitReader.Document">
               <p:embed/>
             </p:oleObj>
           </a:graphicData>
@@ -3871,7 +3876,7 @@
           <a:p>
             <a:r>
               <a:rPr lang="es-AR" dirty="0" smtClean="0"/>
-              <a:t>Topología lógica del USB</a:t>
+              <a:t>Topología física del USB</a:t>
             </a:r>
           </a:p>
           <a:p>
@@ -3884,19 +3889,19 @@
       </p:sp>
       <p:graphicFrame>
         <p:nvGraphicFramePr>
-          <p:cNvPr id="5123" name="Object 3"/>
+          <p:cNvPr id="4100" name="Object 4"/>
           <p:cNvGraphicFramePr>
             <a:graphicFrameLocks noChangeAspect="1"/>
           </p:cNvGraphicFramePr>
           <p:nvPr/>
         </p:nvGraphicFramePr>
         <p:xfrm>
-          <a:off x="1187624" y="2204865"/>
-          <a:ext cx="6915194" cy="4536503"/>
+          <a:off x="2339752" y="2132856"/>
+          <a:ext cx="4627831" cy="4464496"/>
         </p:xfrm>
         <a:graphic>
           <a:graphicData uri="http://schemas.openxmlformats.org/presentationml/2006/ole">
-            <p:oleObj spid="_x0000_s5123" name="PDF" r:id="rId3" imgW="0" imgH="0" progId="FoxitReader.Document">
+            <p:oleObj spid="_x0000_s4100" name="PDF" r:id="rId3" imgW="0" imgH="0" progId="FoxitReader.Document">
               <p:embed/>
             </p:oleObj>
           </a:graphicData>
@@ -3944,7 +3949,7 @@
           <a:p>
             <a:r>
               <a:rPr lang="es-AR" dirty="0" smtClean="0"/>
-              <a:t>Norma USB revisión 2.0 </a:t>
+              <a:t>Norma USB revisión 2.0</a:t>
             </a:r>
             <a:endParaRPr lang="es-AR" dirty="0"/>
           </a:p>
@@ -3967,8 +3972,13 @@
           <a:p>
             <a:r>
               <a:rPr lang="es-AR" dirty="0" smtClean="0"/>
-              <a:t>Flujo de datos</a:t>
-            </a:r>
+              <a:t>Importancia del </a:t>
+            </a:r>
+            <a:r>
+              <a:rPr lang="es-AR" dirty="0" err="1" smtClean="0"/>
+              <a:t>Hub</a:t>
+            </a:r>
+            <a:endParaRPr lang="es-AR" dirty="0" smtClean="0"/>
           </a:p>
           <a:p>
             <a:pPr>
@@ -3980,19 +3990,19 @@
       </p:sp>
       <p:graphicFrame>
         <p:nvGraphicFramePr>
-          <p:cNvPr id="6147" name="Object 3"/>
+          <p:cNvPr id="9219" name="Object 3"/>
           <p:cNvGraphicFramePr>
             <a:graphicFrameLocks noChangeAspect="1"/>
           </p:cNvGraphicFramePr>
           <p:nvPr/>
         </p:nvGraphicFramePr>
         <p:xfrm>
-          <a:off x="611560" y="2348880"/>
-          <a:ext cx="7848600" cy="4152900"/>
+          <a:off x="467544" y="2780928"/>
+          <a:ext cx="8276304" cy="3168352"/>
         </p:xfrm>
         <a:graphic>
           <a:graphicData uri="http://schemas.openxmlformats.org/presentationml/2006/ole">
-            <p:oleObj spid="_x0000_s6147" name="PDF" r:id="rId3" imgW="0" imgH="0" progId="FoxitReader.Document">
+            <p:oleObj spid="_x0000_s9219" name="PDF" r:id="rId3" imgW="0" imgH="0" progId="FoxitReader.Document">
               <p:embed/>
             </p:oleObj>
           </a:graphicData>
@@ -4063,45 +4073,37 @@
           <a:p>
             <a:r>
               <a:rPr lang="es-AR" dirty="0" smtClean="0"/>
-              <a:t>Tipos de transferencia</a:t>
-            </a:r>
-          </a:p>
-          <a:p>
-            <a:pPr lvl="1"/>
-            <a:r>
-              <a:rPr lang="es-AR" dirty="0" smtClean="0"/>
-              <a:t>Transferencia por bultos</a:t>
-            </a:r>
-          </a:p>
-          <a:p>
-            <a:pPr lvl="1"/>
-            <a:r>
-              <a:rPr lang="es-AR" dirty="0" smtClean="0"/>
-              <a:t>Transferencia de Interrupciones</a:t>
-            </a:r>
-          </a:p>
-          <a:p>
-            <a:pPr lvl="1"/>
-            <a:r>
-              <a:rPr lang="es-AR" dirty="0" smtClean="0"/>
-              <a:t>Transferencia </a:t>
-            </a:r>
-            <a:r>
-              <a:rPr lang="es-AR" dirty="0" err="1" smtClean="0"/>
-              <a:t>Isocrónica</a:t>
-            </a:r>
-            <a:endParaRPr lang="es-AR" dirty="0" smtClean="0"/>
-          </a:p>
-          <a:p>
-            <a:pPr lvl="1"/>
-            <a:r>
-              <a:rPr lang="es-AR" dirty="0" smtClean="0"/>
-              <a:t>Transferencia de Control</a:t>
-            </a:r>
+              <a:t>Topología lógica del USB</a:t>
+            </a:r>
+          </a:p>
+          <a:p>
+            <a:pPr>
+              <a:buNone/>
+            </a:pPr>
             <a:endParaRPr lang="es-AR" dirty="0"/>
           </a:p>
         </p:txBody>
       </p:sp>
+      <p:graphicFrame>
+        <p:nvGraphicFramePr>
+          <p:cNvPr id="5123" name="Object 3"/>
+          <p:cNvGraphicFramePr>
+            <a:graphicFrameLocks noChangeAspect="1"/>
+          </p:cNvGraphicFramePr>
+          <p:nvPr/>
+        </p:nvGraphicFramePr>
+        <p:xfrm>
+          <a:off x="1187624" y="2204865"/>
+          <a:ext cx="6915194" cy="4536503"/>
+        </p:xfrm>
+        <a:graphic>
+          <a:graphicData uri="http://schemas.openxmlformats.org/presentationml/2006/ole">
+            <p:oleObj spid="_x0000_s5123" name="PDF" r:id="rId3" imgW="0" imgH="0" progId="FoxitReader.Document">
+              <p:embed/>
+            </p:oleObj>
+          </a:graphicData>
+        </a:graphic>
+      </p:graphicFrame>
     </p:spTree>
   </p:cSld>
   <p:clrMapOvr>
@@ -4167,50 +4169,37 @@
           <a:p>
             <a:r>
               <a:rPr lang="es-AR" dirty="0" smtClean="0"/>
-              <a:t>Tipos de paquetes</a:t>
-            </a:r>
-          </a:p>
-          <a:p>
-            <a:pPr lvl="1"/>
-            <a:r>
-              <a:rPr lang="es-AR" dirty="0" smtClean="0"/>
-              <a:t>Paquetes de </a:t>
-            </a:r>
-            <a:r>
-              <a:rPr lang="es-AR" dirty="0" err="1" smtClean="0"/>
-              <a:t>token</a:t>
-            </a:r>
-            <a:endParaRPr lang="es-AR" dirty="0" smtClean="0"/>
-          </a:p>
-          <a:p>
-            <a:pPr lvl="1"/>
-            <a:r>
-              <a:rPr lang="es-AR" dirty="0" smtClean="0"/>
-              <a:t>Paquetes de datos</a:t>
-            </a:r>
-          </a:p>
-          <a:p>
-            <a:pPr lvl="1"/>
-            <a:r>
-              <a:rPr lang="es-AR" dirty="0" smtClean="0"/>
-              <a:t>Paquetes de </a:t>
-            </a:r>
-            <a:r>
-              <a:rPr lang="es-AR" dirty="0" err="1" smtClean="0"/>
-              <a:t>handshake</a:t>
-            </a:r>
-            <a:endParaRPr lang="es-AR" dirty="0" smtClean="0"/>
-          </a:p>
-          <a:p>
-            <a:pPr lvl="1"/>
-            <a:r>
-              <a:rPr lang="es-AR" dirty="0" smtClean="0"/>
-              <a:t>Paquetes especiales</a:t>
-            </a:r>
+              <a:t>Flujo de datos</a:t>
+            </a:r>
+          </a:p>
+          <a:p>
+            <a:pPr>
+              <a:buNone/>
+            </a:pPr>
             <a:endParaRPr lang="es-AR" dirty="0"/>
           </a:p>
         </p:txBody>
       </p:sp>
+      <p:graphicFrame>
+        <p:nvGraphicFramePr>
+          <p:cNvPr id="6147" name="Object 3"/>
+          <p:cNvGraphicFramePr>
+            <a:graphicFrameLocks noChangeAspect="1"/>
+          </p:cNvGraphicFramePr>
+          <p:nvPr/>
+        </p:nvGraphicFramePr>
+        <p:xfrm>
+          <a:off x="611560" y="2348880"/>
+          <a:ext cx="7848600" cy="4152900"/>
+        </p:xfrm>
+        <a:graphic>
+          <a:graphicData uri="http://schemas.openxmlformats.org/presentationml/2006/ole">
+            <p:oleObj spid="_x0000_s6147" name="PDF" r:id="rId3" imgW="0" imgH="0" progId="FoxitReader.Document">
+              <p:embed/>
+            </p:oleObj>
+          </a:graphicData>
+        </a:graphic>
+      </p:graphicFrame>
     </p:spTree>
   </p:cSld>
   <p:clrMapOvr>
@@ -4287,6 +4276,219 @@
 </file>
 
 <file path=ppt/slides/slide20.xml><?xml version="1.0" encoding="utf-8"?>
+<p:sld xmlns:a="http://schemas.openxmlformats.org/drawingml/2006/main" xmlns:r="http://schemas.openxmlformats.org/officeDocument/2006/relationships" xmlns:p="http://schemas.openxmlformats.org/presentationml/2006/main">
+  <p:cSld>
+    <p:spTree>
+      <p:nvGrpSpPr>
+        <p:cNvPr id="1" name=""/>
+        <p:cNvGrpSpPr/>
+        <p:nvPr/>
+      </p:nvGrpSpPr>
+      <p:grpSpPr>
+        <a:xfrm>
+          <a:off x="0" y="0"/>
+          <a:ext cx="0" cy="0"/>
+          <a:chOff x="0" y="0"/>
+          <a:chExt cx="0" cy="0"/>
+        </a:xfrm>
+      </p:grpSpPr>
+      <p:sp>
+        <p:nvSpPr>
+          <p:cNvPr id="2" name="1 Título"/>
+          <p:cNvSpPr>
+            <a:spLocks noGrp="1"/>
+          </p:cNvSpPr>
+          <p:nvPr>
+            <p:ph type="title"/>
+          </p:nvPr>
+        </p:nvSpPr>
+        <p:spPr/>
+        <p:txBody>
+          <a:bodyPr/>
+          <a:lstStyle/>
+          <a:p>
+            <a:r>
+              <a:rPr lang="es-AR" dirty="0" smtClean="0"/>
+              <a:t>Norma USB revisión 2.0 </a:t>
+            </a:r>
+            <a:endParaRPr lang="es-AR" dirty="0"/>
+          </a:p>
+        </p:txBody>
+      </p:sp>
+      <p:sp>
+        <p:nvSpPr>
+          <p:cNvPr id="3" name="2 Marcador de contenido"/>
+          <p:cNvSpPr>
+            <a:spLocks noGrp="1"/>
+          </p:cNvSpPr>
+          <p:nvPr>
+            <p:ph idx="1"/>
+          </p:nvPr>
+        </p:nvSpPr>
+        <p:spPr/>
+        <p:txBody>
+          <a:bodyPr/>
+          <a:lstStyle/>
+          <a:p>
+            <a:r>
+              <a:rPr lang="es-AR" dirty="0" smtClean="0"/>
+              <a:t>Tipos de transferencia</a:t>
+            </a:r>
+          </a:p>
+          <a:p>
+            <a:pPr lvl="1"/>
+            <a:r>
+              <a:rPr lang="es-AR" dirty="0" smtClean="0"/>
+              <a:t>Transferencia por bultos</a:t>
+            </a:r>
+          </a:p>
+          <a:p>
+            <a:pPr lvl="1"/>
+            <a:r>
+              <a:rPr lang="es-AR" dirty="0" smtClean="0"/>
+              <a:t>Transferencia de Interrupciones</a:t>
+            </a:r>
+          </a:p>
+          <a:p>
+            <a:pPr lvl="1"/>
+            <a:r>
+              <a:rPr lang="es-AR" dirty="0" smtClean="0"/>
+              <a:t>Transferencia </a:t>
+            </a:r>
+            <a:r>
+              <a:rPr lang="es-AR" dirty="0" err="1" smtClean="0"/>
+              <a:t>Isocrónica</a:t>
+            </a:r>
+            <a:endParaRPr lang="es-AR" dirty="0" smtClean="0"/>
+          </a:p>
+          <a:p>
+            <a:pPr lvl="1"/>
+            <a:r>
+              <a:rPr lang="es-AR" dirty="0" smtClean="0"/>
+              <a:t>Transferencia de Control</a:t>
+            </a:r>
+            <a:endParaRPr lang="es-AR" dirty="0"/>
+          </a:p>
+        </p:txBody>
+      </p:sp>
+    </p:spTree>
+  </p:cSld>
+  <p:clrMapOvr>
+    <a:masterClrMapping/>
+  </p:clrMapOvr>
+</p:sld>
+</file>
+
+<file path=ppt/slides/slide21.xml><?xml version="1.0" encoding="utf-8"?>
+<p:sld xmlns:a="http://schemas.openxmlformats.org/drawingml/2006/main" xmlns:r="http://schemas.openxmlformats.org/officeDocument/2006/relationships" xmlns:p="http://schemas.openxmlformats.org/presentationml/2006/main">
+  <p:cSld>
+    <p:spTree>
+      <p:nvGrpSpPr>
+        <p:cNvPr id="1" name=""/>
+        <p:cNvGrpSpPr/>
+        <p:nvPr/>
+      </p:nvGrpSpPr>
+      <p:grpSpPr>
+        <a:xfrm>
+          <a:off x="0" y="0"/>
+          <a:ext cx="0" cy="0"/>
+          <a:chOff x="0" y="0"/>
+          <a:chExt cx="0" cy="0"/>
+        </a:xfrm>
+      </p:grpSpPr>
+      <p:sp>
+        <p:nvSpPr>
+          <p:cNvPr id="2" name="1 Título"/>
+          <p:cNvSpPr>
+            <a:spLocks noGrp="1"/>
+          </p:cNvSpPr>
+          <p:nvPr>
+            <p:ph type="title"/>
+          </p:nvPr>
+        </p:nvSpPr>
+        <p:spPr/>
+        <p:txBody>
+          <a:bodyPr/>
+          <a:lstStyle/>
+          <a:p>
+            <a:r>
+              <a:rPr lang="es-AR" dirty="0" smtClean="0"/>
+              <a:t>Norma USB revisión 2.0 </a:t>
+            </a:r>
+            <a:endParaRPr lang="es-AR" dirty="0"/>
+          </a:p>
+        </p:txBody>
+      </p:sp>
+      <p:sp>
+        <p:nvSpPr>
+          <p:cNvPr id="3" name="2 Marcador de contenido"/>
+          <p:cNvSpPr>
+            <a:spLocks noGrp="1"/>
+          </p:cNvSpPr>
+          <p:nvPr>
+            <p:ph idx="1"/>
+          </p:nvPr>
+        </p:nvSpPr>
+        <p:spPr/>
+        <p:txBody>
+          <a:bodyPr/>
+          <a:lstStyle/>
+          <a:p>
+            <a:r>
+              <a:rPr lang="es-AR" dirty="0" smtClean="0"/>
+              <a:t>Tipos de paquetes</a:t>
+            </a:r>
+          </a:p>
+          <a:p>
+            <a:pPr lvl="1"/>
+            <a:r>
+              <a:rPr lang="es-AR" dirty="0" smtClean="0"/>
+              <a:t>Paquetes de </a:t>
+            </a:r>
+            <a:r>
+              <a:rPr lang="es-AR" dirty="0" err="1" smtClean="0"/>
+              <a:t>token</a:t>
+            </a:r>
+            <a:endParaRPr lang="es-AR" dirty="0" smtClean="0"/>
+          </a:p>
+          <a:p>
+            <a:pPr lvl="1"/>
+            <a:r>
+              <a:rPr lang="es-AR" dirty="0" smtClean="0"/>
+              <a:t>Paquetes de datos</a:t>
+            </a:r>
+          </a:p>
+          <a:p>
+            <a:pPr lvl="1"/>
+            <a:r>
+              <a:rPr lang="es-AR" dirty="0" smtClean="0"/>
+              <a:t>Paquetes de </a:t>
+            </a:r>
+            <a:r>
+              <a:rPr lang="es-AR" dirty="0" err="1" smtClean="0"/>
+              <a:t>handshake</a:t>
+            </a:r>
+            <a:endParaRPr lang="es-AR" dirty="0" smtClean="0"/>
+          </a:p>
+          <a:p>
+            <a:pPr lvl="1"/>
+            <a:r>
+              <a:rPr lang="es-AR" dirty="0" smtClean="0"/>
+              <a:t>Paquetes especiales</a:t>
+            </a:r>
+            <a:endParaRPr lang="es-AR" dirty="0"/>
+          </a:p>
+        </p:txBody>
+      </p:sp>
+    </p:spTree>
+  </p:cSld>
+  <p:clrMapOvr>
+    <a:masterClrMapping/>
+  </p:clrMapOvr>
+</p:sld>
+</file>
+
+<file path=ppt/slides/slide22.xml><?xml version="1.0" encoding="utf-8"?>
 <p:sld xmlns:a="http://schemas.openxmlformats.org/drawingml/2006/main" xmlns:r="http://schemas.openxmlformats.org/officeDocument/2006/relationships" xmlns:p="http://schemas.openxmlformats.org/presentationml/2006/main">
   <p:cSld>
     <p:spTree>
@@ -4411,7 +4613,7 @@
 </p:sld>
 </file>
 
-<file path=ppt/slides/slide21.xml><?xml version="1.0" encoding="utf-8"?>
+<file path=ppt/slides/slide23.xml><?xml version="1.0" encoding="utf-8"?>
 <p:sld xmlns:a="http://schemas.openxmlformats.org/drawingml/2006/main" xmlns:r="http://schemas.openxmlformats.org/officeDocument/2006/relationships" xmlns:p="http://schemas.openxmlformats.org/presentationml/2006/main">
   <p:cSld>
     <p:spTree>
@@ -4576,7 +4778,7 @@
 </p:sld>
 </file>
 
-<file path=ppt/slides/slide22.xml><?xml version="1.0" encoding="utf-8"?>
+<file path=ppt/slides/slide24.xml><?xml version="1.0" encoding="utf-8"?>
 <p:sld xmlns:a="http://schemas.openxmlformats.org/drawingml/2006/main" xmlns:r="http://schemas.openxmlformats.org/officeDocument/2006/relationships" xmlns:p="http://schemas.openxmlformats.org/presentationml/2006/main">
   <p:cSld>
     <p:spTree>
@@ -4667,208 +4869,6 @@
 </p:sld>
 </file>
 
-<file path=ppt/slides/slide23.xml><?xml version="1.0" encoding="utf-8"?>
-<p:sld xmlns:a="http://schemas.openxmlformats.org/drawingml/2006/main" xmlns:r="http://schemas.openxmlformats.org/officeDocument/2006/relationships" xmlns:p="http://schemas.openxmlformats.org/presentationml/2006/main">
-  <p:cSld>
-    <p:spTree>
-      <p:nvGrpSpPr>
-        <p:cNvPr id="1" name=""/>
-        <p:cNvGrpSpPr/>
-        <p:nvPr/>
-      </p:nvGrpSpPr>
-      <p:grpSpPr>
-        <a:xfrm>
-          <a:off x="0" y="0"/>
-          <a:ext cx="0" cy="0"/>
-          <a:chOff x="0" y="0"/>
-          <a:chExt cx="0" cy="0"/>
-        </a:xfrm>
-      </p:grpSpPr>
-      <p:sp>
-        <p:nvSpPr>
-          <p:cNvPr id="2" name="1 Título"/>
-          <p:cNvSpPr>
-            <a:spLocks noGrp="1"/>
-          </p:cNvSpPr>
-          <p:nvPr>
-            <p:ph type="title"/>
-          </p:nvPr>
-        </p:nvSpPr>
-        <p:spPr/>
-        <p:txBody>
-          <a:bodyPr/>
-          <a:lstStyle/>
-          <a:p>
-            <a:r>
-              <a:rPr lang="es-AR" dirty="0" smtClean="0"/>
-              <a:t>Arquitectura del Sistema</a:t>
-            </a:r>
-            <a:endParaRPr lang="es-AR" dirty="0"/>
-          </a:p>
-        </p:txBody>
-      </p:sp>
-      <p:sp>
-        <p:nvSpPr>
-          <p:cNvPr id="3" name="2 Marcador de contenido"/>
-          <p:cNvSpPr>
-            <a:spLocks noGrp="1"/>
-          </p:cNvSpPr>
-          <p:nvPr>
-            <p:ph idx="1"/>
-          </p:nvPr>
-        </p:nvSpPr>
-        <p:spPr/>
-        <p:txBody>
-          <a:bodyPr/>
-          <a:lstStyle/>
-          <a:p>
-            <a:r>
-              <a:rPr lang="es-AR" dirty="0" smtClean="0"/>
-              <a:t>Hacer todo en FPGA y un transceptor externo</a:t>
-            </a:r>
-            <a:endParaRPr lang="es-AR" dirty="0"/>
-          </a:p>
-        </p:txBody>
-      </p:sp>
-      <p:graphicFrame>
-        <p:nvGraphicFramePr>
-          <p:cNvPr id="11267" name="Object 3"/>
-          <p:cNvGraphicFramePr>
-            <a:graphicFrameLocks noChangeAspect="1"/>
-          </p:cNvGraphicFramePr>
-          <p:nvPr/>
-        </p:nvGraphicFramePr>
-        <p:xfrm>
-          <a:off x="323528" y="2564904"/>
-          <a:ext cx="8544783" cy="3240360"/>
-        </p:xfrm>
-        <a:graphic>
-          <a:graphicData uri="http://schemas.openxmlformats.org/presentationml/2006/ole">
-            <p:oleObj spid="_x0000_s11267" name="PDF" r:id="rId3" imgW="0" imgH="0" progId="FoxitReader.Document">
-              <p:embed/>
-            </p:oleObj>
-          </a:graphicData>
-        </a:graphic>
-      </p:graphicFrame>
-    </p:spTree>
-  </p:cSld>
-  <p:clrMapOvr>
-    <a:masterClrMapping/>
-  </p:clrMapOvr>
-</p:sld>
-</file>
-
-<file path=ppt/slides/slide24.xml><?xml version="1.0" encoding="utf-8"?>
-<p:sld xmlns:a="http://schemas.openxmlformats.org/drawingml/2006/main" xmlns:r="http://schemas.openxmlformats.org/officeDocument/2006/relationships" xmlns:p="http://schemas.openxmlformats.org/presentationml/2006/main">
-  <p:cSld>
-    <p:spTree>
-      <p:nvGrpSpPr>
-        <p:cNvPr id="1" name=""/>
-        <p:cNvGrpSpPr/>
-        <p:nvPr/>
-      </p:nvGrpSpPr>
-      <p:grpSpPr>
-        <a:xfrm>
-          <a:off x="0" y="0"/>
-          <a:ext cx="0" cy="0"/>
-          <a:chOff x="0" y="0"/>
-          <a:chExt cx="0" cy="0"/>
-        </a:xfrm>
-      </p:grpSpPr>
-      <p:sp>
-        <p:nvSpPr>
-          <p:cNvPr id="2" name="1 Título"/>
-          <p:cNvSpPr>
-            <a:spLocks noGrp="1"/>
-          </p:cNvSpPr>
-          <p:nvPr>
-            <p:ph type="title"/>
-          </p:nvPr>
-        </p:nvSpPr>
-        <p:spPr/>
-        <p:txBody>
-          <a:bodyPr/>
-          <a:lstStyle/>
-          <a:p>
-            <a:r>
-              <a:rPr lang="es-AR" dirty="0" smtClean="0"/>
-              <a:t>Arquitectura del Sistema</a:t>
-            </a:r>
-            <a:endParaRPr lang="es-AR" dirty="0"/>
-          </a:p>
-        </p:txBody>
-      </p:sp>
-      <p:sp>
-        <p:nvSpPr>
-          <p:cNvPr id="3" name="2 Marcador de contenido"/>
-          <p:cNvSpPr>
-            <a:spLocks noGrp="1"/>
-          </p:cNvSpPr>
-          <p:nvPr>
-            <p:ph idx="1"/>
-          </p:nvPr>
-        </p:nvSpPr>
-        <p:spPr/>
-        <p:txBody>
-          <a:bodyPr/>
-          <a:lstStyle/>
-          <a:p>
-            <a:r>
-              <a:rPr lang="es-AR" dirty="0" smtClean="0"/>
-              <a:t>Hacer todo en FPGA y un transceptor externo</a:t>
-            </a:r>
-          </a:p>
-          <a:p>
-            <a:pPr lvl="1"/>
-            <a:r>
-              <a:rPr lang="es-AR" dirty="0" smtClean="0"/>
-              <a:t>Pro</a:t>
-            </a:r>
-          </a:p>
-          <a:p>
-            <a:pPr lvl="2"/>
-            <a:r>
-              <a:rPr lang="es-AR" dirty="0" smtClean="0"/>
-              <a:t>Requerimiento mínimo de </a:t>
-            </a:r>
-            <a:r>
-              <a:rPr lang="es-AR" dirty="0" err="1" smtClean="0"/>
-              <a:t>harware</a:t>
-            </a:r>
-            <a:endParaRPr lang="es-AR" dirty="0" smtClean="0"/>
-          </a:p>
-          <a:p>
-            <a:pPr lvl="1"/>
-            <a:r>
-              <a:rPr lang="es-AR" dirty="0" smtClean="0"/>
-              <a:t>Contra</a:t>
-            </a:r>
-          </a:p>
-          <a:p>
-            <a:pPr lvl="2"/>
-            <a:r>
-              <a:rPr lang="es-AR" dirty="0" smtClean="0"/>
-              <a:t>Alto costo en desarrollo de una IP que realice esta tarea</a:t>
-            </a:r>
-          </a:p>
-          <a:p>
-            <a:pPr lvl="2"/>
-            <a:r>
-              <a:rPr lang="es-AR" dirty="0" smtClean="0"/>
-              <a:t>Gran consumo de recursos de la FPGA misma</a:t>
-            </a:r>
-            <a:endParaRPr lang="es-AR" dirty="0"/>
-          </a:p>
-        </p:txBody>
-      </p:sp>
-    </p:spTree>
-  </p:cSld>
-  <p:clrMapOvr>
-    <a:masterClrMapping/>
-  </p:clrMapOvr>
-</p:sld>
-</file>
-
 <file path=ppt/slides/slide25.xml><?xml version="1.0" encoding="utf-8"?>
 <p:sld xmlns:a="http://schemas.openxmlformats.org/drawingml/2006/main" xmlns:r="http://schemas.openxmlformats.org/officeDocument/2006/relationships" xmlns:p="http://schemas.openxmlformats.org/presentationml/2006/main">
   <p:cSld>
@@ -4926,7 +4926,7 @@
           <a:p>
             <a:r>
               <a:rPr lang="es-AR" dirty="0" smtClean="0"/>
-              <a:t>Tener un control completo en un integrado específico y usar el FPGA con una comunicación mínima</a:t>
+              <a:t>Hacer todo en FPGA y un transceptor externo</a:t>
             </a:r>
             <a:endParaRPr lang="es-AR" dirty="0"/>
           </a:p>
@@ -4934,19 +4934,19 @@
       </p:sp>
       <p:graphicFrame>
         <p:nvGraphicFramePr>
-          <p:cNvPr id="13315" name="Object 3"/>
+          <p:cNvPr id="11267" name="Object 3"/>
           <p:cNvGraphicFramePr>
             <a:graphicFrameLocks noChangeAspect="1"/>
           </p:cNvGraphicFramePr>
           <p:nvPr/>
         </p:nvGraphicFramePr>
         <p:xfrm>
-          <a:off x="76654" y="3501008"/>
-          <a:ext cx="8864887" cy="2160240"/>
+          <a:off x="323528" y="2564904"/>
+          <a:ext cx="8544783" cy="3240360"/>
         </p:xfrm>
         <a:graphic>
           <a:graphicData uri="http://schemas.openxmlformats.org/presentationml/2006/ole">
-            <p:oleObj spid="_x0000_s13315" name="PDF" r:id="rId3" imgW="0" imgH="0" progId="FoxitReader.Document">
+            <p:oleObj spid="_x0000_s11267" name="PDF" r:id="rId3" imgW="0" imgH="0" progId="FoxitReader.Document">
               <p:embed/>
             </p:oleObj>
           </a:graphicData>
@@ -5012,14 +5012,12 @@
         </p:nvSpPr>
         <p:spPr/>
         <p:txBody>
-          <a:bodyPr>
-            <a:normAutofit lnSpcReduction="10000"/>
-          </a:bodyPr>
-          <a:lstStyle/>
-          <a:p>
-            <a:r>
-              <a:rPr lang="es-AR" dirty="0" smtClean="0"/>
-              <a:t>Tener un control completo en un integrado específico y usar el FPGA con una comunicación mínima</a:t>
+          <a:bodyPr/>
+          <a:lstStyle/>
+          <a:p>
+            <a:r>
+              <a:rPr lang="es-AR" dirty="0" smtClean="0"/>
+              <a:t>Hacer todo en FPGA y un transceptor externo</a:t>
             </a:r>
           </a:p>
           <a:p>
@@ -5033,29 +5031,35 @@
             <a:pPr lvl="2"/>
             <a:r>
               <a:rPr lang="es-AR" dirty="0" smtClean="0"/>
-              <a:t>Una implementación rápida y más económica</a:t>
+              <a:t>Requerimiento mínimo de </a:t>
+            </a:r>
+            <a:r>
+              <a:rPr lang="es-AR" dirty="0" err="1" smtClean="0"/>
+              <a:t>harware</a:t>
+            </a:r>
+            <a:endParaRPr lang="es-AR" dirty="0" smtClean="0"/>
+          </a:p>
+          <a:p>
+            <a:pPr lvl="1"/>
+            <a:r>
+              <a:rPr lang="es-AR" dirty="0" smtClean="0"/>
+              <a:t>Contra</a:t>
             </a:r>
           </a:p>
           <a:p>
             <a:pPr lvl="2"/>
             <a:r>
               <a:rPr lang="es-AR" dirty="0" smtClean="0"/>
-              <a:t>Los recursos del FPGA liberados para el desarrollo de la aplicación específica</a:t>
-            </a:r>
-          </a:p>
-          <a:p>
-            <a:pPr lvl="1"/>
-            <a:r>
-              <a:rPr lang="es-AR" dirty="0" smtClean="0"/>
-              <a:t>Contra</a:t>
+              <a:t>Alto costo en desarrollo de una IP que realice esta tarea</a:t>
             </a:r>
           </a:p>
           <a:p>
             <a:pPr lvl="2"/>
             <a:r>
               <a:rPr lang="es-AR" dirty="0" smtClean="0"/>
-              <a:t>Espacio necesario en un impreso para incorporar el hardware extra</a:t>
-            </a:r>
+              <a:t>Gran consumo de recursos de la FPGA misma</a:t>
+            </a:r>
+            <a:endParaRPr lang="es-AR" dirty="0"/>
           </a:p>
         </p:txBody>
       </p:sp>
@@ -5101,7 +5105,7 @@
           <a:p>
             <a:r>
               <a:rPr lang="es-AR" dirty="0" smtClean="0"/>
-              <a:t>Agenda</a:t>
+              <a:t>Arquitectura del Sistema</a:t>
             </a:r>
             <a:endParaRPr lang="es-AR" dirty="0"/>
           </a:p>
@@ -5123,77 +5127,33 @@
           <a:lstStyle/>
           <a:p>
             <a:r>
-              <a:rPr lang="es-AR" dirty="0" smtClean="0">
-                <a:solidFill>
-                  <a:schemeClr val="bg1">
-                    <a:lumMod val="65000"/>
-                  </a:schemeClr>
-                </a:solidFill>
-              </a:rPr>
-              <a:t>Objetivos</a:t>
-            </a:r>
-          </a:p>
-          <a:p>
-            <a:r>
-              <a:rPr lang="es-AR" dirty="0" smtClean="0">
-                <a:solidFill>
-                  <a:schemeClr val="bg1">
-                    <a:lumMod val="65000"/>
-                  </a:schemeClr>
-                </a:solidFill>
-              </a:rPr>
-              <a:t>Breve descripción del protocolo USB</a:t>
-            </a:r>
-          </a:p>
-          <a:p>
-            <a:r>
-              <a:rPr lang="es-AR" dirty="0" smtClean="0">
-                <a:solidFill>
-                  <a:schemeClr val="bg1">
-                    <a:lumMod val="65000"/>
-                  </a:schemeClr>
-                </a:solidFill>
-              </a:rPr>
-              <a:t>Arquitectura del sistema propuesto</a:t>
-            </a:r>
-          </a:p>
-          <a:p>
-            <a:r>
-              <a:rPr lang="es-AR" dirty="0" smtClean="0"/>
-              <a:t>Componentes utilizados</a:t>
-            </a:r>
-          </a:p>
-          <a:p>
-            <a:pPr lvl="1"/>
-            <a:r>
-              <a:rPr lang="es-AR" dirty="0" smtClean="0"/>
-              <a:t>CY3684 FX2LP EZ-USB DK de </a:t>
-            </a:r>
-            <a:r>
-              <a:rPr lang="es-AR" dirty="0" err="1" smtClean="0"/>
-              <a:t>Cypress</a:t>
-            </a:r>
-            <a:endParaRPr lang="es-AR" dirty="0" smtClean="0"/>
-          </a:p>
-          <a:p>
-            <a:pPr lvl="1"/>
-            <a:r>
-              <a:rPr lang="es-AR" dirty="0" smtClean="0"/>
-              <a:t>MOJO v3</a:t>
-            </a:r>
-          </a:p>
-          <a:p>
-            <a:pPr lvl="1"/>
-            <a:r>
-              <a:rPr lang="es-AR" dirty="0" smtClean="0"/>
-              <a:t>libusb-1.0</a:t>
-            </a:r>
-          </a:p>
-          <a:p>
+              <a:rPr lang="es-AR" dirty="0" smtClean="0"/>
+              <a:t>Tener un control completo en un integrado específico y usar el FPGA con una comunicación mínima</a:t>
+            </a:r>
             <a:endParaRPr lang="es-AR" dirty="0"/>
           </a:p>
         </p:txBody>
       </p:sp>
+      <p:graphicFrame>
+        <p:nvGraphicFramePr>
+          <p:cNvPr id="13315" name="Object 3"/>
+          <p:cNvGraphicFramePr>
+            <a:graphicFrameLocks noChangeAspect="1"/>
+          </p:cNvGraphicFramePr>
+          <p:nvPr/>
+        </p:nvGraphicFramePr>
+        <p:xfrm>
+          <a:off x="76654" y="3501008"/>
+          <a:ext cx="8864887" cy="2160240"/>
+        </p:xfrm>
+        <a:graphic>
+          <a:graphicData uri="http://schemas.openxmlformats.org/presentationml/2006/ole">
+            <p:oleObj spid="_x0000_s13315" name="PDF" r:id="rId3" imgW="0" imgH="0" progId="FoxitReader.Document">
+              <p:embed/>
+            </p:oleObj>
+          </a:graphicData>
+        </a:graphic>
+      </p:graphicFrame>
     </p:spTree>
   </p:cSld>
   <p:clrMapOvr>
@@ -5242,26 +5202,65 @@
           </a:p>
         </p:txBody>
       </p:sp>
-      <p:graphicFrame>
-        <p:nvGraphicFramePr>
-          <p:cNvPr id="15362" name="Object 2"/>
-          <p:cNvGraphicFramePr>
-            <a:graphicFrameLocks noChangeAspect="1"/>
-          </p:cNvGraphicFramePr>
-          <p:nvPr/>
-        </p:nvGraphicFramePr>
-        <p:xfrm>
-          <a:off x="143508" y="2780928"/>
-          <a:ext cx="8820980" cy="1960218"/>
-        </p:xfrm>
-        <a:graphic>
-          <a:graphicData uri="http://schemas.openxmlformats.org/presentationml/2006/ole">
-            <p:oleObj spid="_x0000_s15362" name="PDF" r:id="rId3" imgW="0" imgH="0" progId="FoxitReader.Document">
-              <p:embed/>
-            </p:oleObj>
-          </a:graphicData>
-        </a:graphic>
-      </p:graphicFrame>
+      <p:sp>
+        <p:nvSpPr>
+          <p:cNvPr id="3" name="2 Marcador de contenido"/>
+          <p:cNvSpPr>
+            <a:spLocks noGrp="1"/>
+          </p:cNvSpPr>
+          <p:nvPr>
+            <p:ph idx="1"/>
+          </p:nvPr>
+        </p:nvSpPr>
+        <p:spPr/>
+        <p:txBody>
+          <a:bodyPr>
+            <a:normAutofit lnSpcReduction="10000"/>
+          </a:bodyPr>
+          <a:lstStyle/>
+          <a:p>
+            <a:r>
+              <a:rPr lang="es-AR" dirty="0" smtClean="0"/>
+              <a:t>Tener un control completo en un integrado específico y usar el FPGA con una comunicación mínima</a:t>
+            </a:r>
+          </a:p>
+          <a:p>
+            <a:pPr lvl="1"/>
+            <a:r>
+              <a:rPr lang="es-AR" dirty="0" smtClean="0"/>
+              <a:t>Pro</a:t>
+            </a:r>
+          </a:p>
+          <a:p>
+            <a:pPr lvl="2"/>
+            <a:r>
+              <a:rPr lang="es-AR" dirty="0" smtClean="0"/>
+              <a:t>Una implementación rápida y más económica</a:t>
+            </a:r>
+          </a:p>
+          <a:p>
+            <a:pPr lvl="2"/>
+            <a:r>
+              <a:rPr lang="es-AR" dirty="0" smtClean="0"/>
+              <a:t>Los recursos del FPGA liberados para el desarrollo de la aplicación específica</a:t>
+            </a:r>
+          </a:p>
+          <a:p>
+            <a:pPr lvl="1"/>
+            <a:r>
+              <a:rPr lang="es-AR" dirty="0" smtClean="0"/>
+              <a:t>Contra</a:t>
+            </a:r>
+          </a:p>
+          <a:p>
+            <a:pPr lvl="2"/>
+            <a:r>
+              <a:rPr lang="es-AR" dirty="0" smtClean="0"/>
+              <a:t>Espacio necesario en un impreso para incorporar el hardware extra</a:t>
+            </a:r>
+          </a:p>
+        </p:txBody>
+      </p:sp>
     </p:spTree>
   </p:cSld>
   <p:clrMapOvr>
@@ -5299,60 +5298,104 @@
         </p:nvSpPr>
         <p:spPr/>
         <p:txBody>
-          <a:bodyPr>
-            <a:normAutofit fontScale="90000"/>
-          </a:bodyPr>
-          <a:lstStyle/>
-          <a:p>
-            <a:r>
-              <a:rPr lang="es-AR" dirty="0" smtClean="0"/>
-              <a:t>CY3684 FX2LP EZ-</a:t>
+          <a:bodyPr/>
+          <a:lstStyle/>
+          <a:p>
+            <a:r>
+              <a:rPr lang="es-AR" dirty="0" smtClean="0"/>
+              <a:t>Agenda</a:t>
+            </a:r>
+            <a:endParaRPr lang="es-AR" dirty="0"/>
+          </a:p>
+        </p:txBody>
+      </p:sp>
+      <p:sp>
+        <p:nvSpPr>
+          <p:cNvPr id="3" name="2 Marcador de contenido"/>
+          <p:cNvSpPr>
+            <a:spLocks noGrp="1"/>
+          </p:cNvSpPr>
+          <p:nvPr>
+            <p:ph idx="1"/>
+          </p:nvPr>
+        </p:nvSpPr>
+        <p:spPr/>
+        <p:txBody>
+          <a:bodyPr/>
+          <a:lstStyle/>
+          <a:p>
+            <a:r>
+              <a:rPr lang="es-AR" dirty="0" smtClean="0">
+                <a:solidFill>
+                  <a:schemeClr val="bg1">
+                    <a:lumMod val="65000"/>
+                  </a:schemeClr>
+                </a:solidFill>
+              </a:rPr>
+              <a:t>Objetivos</a:t>
+            </a:r>
+          </a:p>
+          <a:p>
+            <a:r>
+              <a:rPr lang="es-AR" dirty="0" smtClean="0">
+                <a:solidFill>
+                  <a:schemeClr val="bg1">
+                    <a:lumMod val="65000"/>
+                  </a:schemeClr>
+                </a:solidFill>
+              </a:rPr>
+              <a:t>Breve descripción del protocolo USB</a:t>
+            </a:r>
+          </a:p>
+          <a:p>
+            <a:r>
+              <a:rPr lang="es-AR" dirty="0" smtClean="0">
+                <a:solidFill>
+                  <a:schemeClr val="bg1">
+                    <a:lumMod val="65000"/>
+                  </a:schemeClr>
+                </a:solidFill>
+              </a:rPr>
+              <a:t>Arquitectura del sistema propuesto</a:t>
+            </a:r>
+          </a:p>
+          <a:p>
+            <a:r>
+              <a:rPr lang="es-AR" dirty="0" smtClean="0"/>
+              <a:t>Componentes utilizados</a:t>
+            </a:r>
+          </a:p>
+          <a:p>
+            <a:pPr lvl="1"/>
+            <a:r>
+              <a:rPr lang="es-AR" dirty="0" smtClean="0"/>
+              <a:t>CY3684 FX2LP EZ-USB DK de </a:t>
             </a:r>
             <a:r>
               <a:rPr lang="es-AR" dirty="0" err="1" smtClean="0"/>
-              <a:t>Development</a:t>
-            </a:r>
-            <a:r>
-              <a:rPr lang="es-AR" dirty="0" smtClean="0"/>
-              <a:t> Kit</a:t>
-            </a:r>
-            <a:br>
-              <a:rPr lang="es-AR" dirty="0" smtClean="0"/>
-            </a:br>
-            <a:r>
-              <a:rPr lang="es-AR" dirty="0" smtClean="0"/>
-              <a:t>CY7C68013A</a:t>
-            </a:r>
+              <a:t>Cypress</a:t>
+            </a:r>
+            <a:endParaRPr lang="es-AR" dirty="0" smtClean="0"/>
+          </a:p>
+          <a:p>
+            <a:pPr lvl="1"/>
+            <a:r>
+              <a:rPr lang="es-AR" dirty="0" smtClean="0"/>
+              <a:t>MOJO v3</a:t>
+            </a:r>
+          </a:p>
+          <a:p>
+            <a:pPr lvl="1"/>
+            <a:r>
+              <a:rPr lang="es-AR" dirty="0" smtClean="0"/>
+              <a:t>libusb-1.0</a:t>
+            </a:r>
+          </a:p>
+          <a:p>
             <a:endParaRPr lang="es-AR" dirty="0"/>
           </a:p>
         </p:txBody>
       </p:sp>
-      <p:pic>
-        <p:nvPicPr>
-          <p:cNvPr id="16387" name="Picture 3" descr="G:\Facultad\Trabajo Final\lechuzing\Presentacion\img\32cypressboard.png"/>
-          <p:cNvPicPr>
-            <a:picLocks noChangeAspect="1" noChangeArrowheads="1"/>
-          </p:cNvPicPr>
-          <p:nvPr/>
-        </p:nvPicPr>
-        <p:blipFill>
-          <a:blip r:embed="rId2" cstate="print"/>
-          <a:srcRect/>
-          <a:stretch>
-            <a:fillRect/>
-          </a:stretch>
-        </p:blipFill>
-        <p:spPr bwMode="auto">
-          <a:xfrm rot="16200000">
-            <a:off x="2164862" y="363531"/>
-            <a:ext cx="4647848" cy="7034371"/>
-          </a:xfrm>
-          <a:prstGeom prst="rect">
-            <a:avLst/>
-          </a:prstGeom>
-          <a:noFill/>
-        </p:spPr>
-      </p:pic>
     </p:spTree>
   </p:cSld>
   <p:clrMapOvr>
@@ -5435,6 +5478,74 @@
         </p:nvSpPr>
         <p:spPr/>
         <p:txBody>
+          <a:bodyPr/>
+          <a:lstStyle/>
+          <a:p>
+            <a:r>
+              <a:rPr lang="es-AR" dirty="0" smtClean="0"/>
+              <a:t>Arquitectura del Sistema</a:t>
+            </a:r>
+            <a:endParaRPr lang="es-AR" dirty="0"/>
+          </a:p>
+        </p:txBody>
+      </p:sp>
+      <p:graphicFrame>
+        <p:nvGraphicFramePr>
+          <p:cNvPr id="15362" name="Object 2"/>
+          <p:cNvGraphicFramePr>
+            <a:graphicFrameLocks noChangeAspect="1"/>
+          </p:cNvGraphicFramePr>
+          <p:nvPr/>
+        </p:nvGraphicFramePr>
+        <p:xfrm>
+          <a:off x="143508" y="2780928"/>
+          <a:ext cx="8820980" cy="1960218"/>
+        </p:xfrm>
+        <a:graphic>
+          <a:graphicData uri="http://schemas.openxmlformats.org/presentationml/2006/ole">
+            <p:oleObj spid="_x0000_s15362" name="PDF" r:id="rId3" imgW="0" imgH="0" progId="FoxitReader.Document">
+              <p:embed/>
+            </p:oleObj>
+          </a:graphicData>
+        </a:graphic>
+      </p:graphicFrame>
+    </p:spTree>
+  </p:cSld>
+  <p:clrMapOvr>
+    <a:masterClrMapping/>
+  </p:clrMapOvr>
+</p:sld>
+</file>
+
+<file path=ppt/slides/slide31.xml><?xml version="1.0" encoding="utf-8"?>
+<p:sld xmlns:a="http://schemas.openxmlformats.org/drawingml/2006/main" xmlns:r="http://schemas.openxmlformats.org/officeDocument/2006/relationships" xmlns:p="http://schemas.openxmlformats.org/presentationml/2006/main">
+  <p:cSld>
+    <p:spTree>
+      <p:nvGrpSpPr>
+        <p:cNvPr id="1" name=""/>
+        <p:cNvGrpSpPr/>
+        <p:nvPr/>
+      </p:nvGrpSpPr>
+      <p:grpSpPr>
+        <a:xfrm>
+          <a:off x="0" y="0"/>
+          <a:ext cx="0" cy="0"/>
+          <a:chOff x="0" y="0"/>
+          <a:chExt cx="0" cy="0"/>
+        </a:xfrm>
+      </p:grpSpPr>
+      <p:sp>
+        <p:nvSpPr>
+          <p:cNvPr id="2" name="1 Título"/>
+          <p:cNvSpPr>
+            <a:spLocks noGrp="1"/>
+          </p:cNvSpPr>
+          <p:nvPr>
+            <p:ph type="title"/>
+          </p:nvPr>
+        </p:nvSpPr>
+        <p:spPr/>
+        <p:txBody>
           <a:bodyPr>
             <a:normAutofit fontScale="90000"/>
           </a:bodyPr>
@@ -5460,6 +5571,664 @@
               <a:t>CY7C68013A</a:t>
             </a:r>
             <a:endParaRPr lang="es-AR" dirty="0"/>
+          </a:p>
+        </p:txBody>
+      </p:sp>
+      <p:pic>
+        <p:nvPicPr>
+          <p:cNvPr id="16387" name="Picture 3" descr="G:\Facultad\Trabajo Final\lechuzing\Presentacion\img\32cypressboard.png"/>
+          <p:cNvPicPr>
+            <a:picLocks noChangeAspect="1" noChangeArrowheads="1"/>
+          </p:cNvPicPr>
+          <p:nvPr/>
+        </p:nvPicPr>
+        <p:blipFill>
+          <a:blip r:embed="rId2" cstate="print"/>
+          <a:srcRect/>
+          <a:stretch>
+            <a:fillRect/>
+          </a:stretch>
+        </p:blipFill>
+        <p:spPr bwMode="auto">
+          <a:xfrm rot="16200000">
+            <a:off x="2164862" y="363531"/>
+            <a:ext cx="4647848" cy="7034371"/>
+          </a:xfrm>
+          <a:prstGeom prst="rect">
+            <a:avLst/>
+          </a:prstGeom>
+          <a:noFill/>
+        </p:spPr>
+      </p:pic>
+    </p:spTree>
+  </p:cSld>
+  <p:clrMapOvr>
+    <a:masterClrMapping/>
+  </p:clrMapOvr>
+</p:sld>
+</file>
+
+<file path=ppt/slides/slide32.xml><?xml version="1.0" encoding="utf-8"?>
+<p:sld xmlns:a="http://schemas.openxmlformats.org/drawingml/2006/main" xmlns:r="http://schemas.openxmlformats.org/officeDocument/2006/relationships" xmlns:p="http://schemas.openxmlformats.org/presentationml/2006/main">
+  <p:cSld>
+    <p:spTree>
+      <p:nvGrpSpPr>
+        <p:cNvPr id="1" name=""/>
+        <p:cNvGrpSpPr/>
+        <p:nvPr/>
+      </p:nvGrpSpPr>
+      <p:grpSpPr>
+        <a:xfrm>
+          <a:off x="0" y="0"/>
+          <a:ext cx="0" cy="0"/>
+          <a:chOff x="0" y="0"/>
+          <a:chExt cx="0" cy="0"/>
+        </a:xfrm>
+      </p:grpSpPr>
+      <p:sp>
+        <p:nvSpPr>
+          <p:cNvPr id="2" name="1 Título"/>
+          <p:cNvSpPr>
+            <a:spLocks noGrp="1"/>
+          </p:cNvSpPr>
+          <p:nvPr>
+            <p:ph type="title"/>
+          </p:nvPr>
+        </p:nvSpPr>
+        <p:spPr/>
+        <p:txBody>
+          <a:bodyPr>
+            <a:normAutofit fontScale="90000"/>
+          </a:bodyPr>
+          <a:lstStyle/>
+          <a:p>
+            <a:r>
+              <a:rPr lang="es-AR" dirty="0" smtClean="0"/>
+              <a:t>CY3684 FX2LP EZ-</a:t>
+            </a:r>
+            <a:r>
+              <a:rPr lang="es-AR" dirty="0" err="1" smtClean="0"/>
+              <a:t>Development</a:t>
+            </a:r>
+            <a:r>
+              <a:rPr lang="es-AR" dirty="0" smtClean="0"/>
+              <a:t> Kit</a:t>
+            </a:r>
+            <a:br>
+              <a:rPr lang="es-AR" dirty="0" smtClean="0"/>
+            </a:br>
+            <a:r>
+              <a:rPr lang="es-AR" dirty="0" smtClean="0"/>
+              <a:t>CY7C68013A</a:t>
+            </a:r>
+            <a:endParaRPr lang="es-AR" dirty="0"/>
+          </a:p>
+        </p:txBody>
+      </p:sp>
+      <p:graphicFrame>
+        <p:nvGraphicFramePr>
+          <p:cNvPr id="17411" name="Object 3"/>
+          <p:cNvGraphicFramePr>
+            <a:graphicFrameLocks noChangeAspect="1"/>
+          </p:cNvGraphicFramePr>
+          <p:nvPr/>
+        </p:nvGraphicFramePr>
+        <p:xfrm>
+          <a:off x="179512" y="2276872"/>
+          <a:ext cx="8784164" cy="2664296"/>
+        </p:xfrm>
+        <a:graphic>
+          <a:graphicData uri="http://schemas.openxmlformats.org/presentationml/2006/ole">
+            <p:oleObj spid="_x0000_s17411" name="PDF" r:id="rId3" imgW="0" imgH="0" progId="FoxitReader.Document">
+              <p:embed/>
+            </p:oleObj>
+          </a:graphicData>
+        </a:graphic>
+      </p:graphicFrame>
+    </p:spTree>
+  </p:cSld>
+  <p:clrMapOvr>
+    <a:masterClrMapping/>
+  </p:clrMapOvr>
+</p:sld>
+</file>
+
+<file path=ppt/slides/slide33.xml><?xml version="1.0" encoding="utf-8"?>
+<p:sld xmlns:a="http://schemas.openxmlformats.org/drawingml/2006/main" xmlns:r="http://schemas.openxmlformats.org/officeDocument/2006/relationships" xmlns:p="http://schemas.openxmlformats.org/presentationml/2006/main">
+  <p:cSld>
+    <p:spTree>
+      <p:nvGrpSpPr>
+        <p:cNvPr id="1" name=""/>
+        <p:cNvGrpSpPr/>
+        <p:nvPr/>
+      </p:nvGrpSpPr>
+      <p:grpSpPr>
+        <a:xfrm>
+          <a:off x="0" y="0"/>
+          <a:ext cx="0" cy="0"/>
+          <a:chOff x="0" y="0"/>
+          <a:chExt cx="0" cy="0"/>
+        </a:xfrm>
+      </p:grpSpPr>
+      <p:sp>
+        <p:nvSpPr>
+          <p:cNvPr id="2" name="1 Título"/>
+          <p:cNvSpPr>
+            <a:spLocks noGrp="1"/>
+          </p:cNvSpPr>
+          <p:nvPr>
+            <p:ph type="title"/>
+          </p:nvPr>
+        </p:nvSpPr>
+        <p:spPr/>
+        <p:txBody>
+          <a:bodyPr>
+            <a:normAutofit/>
+          </a:bodyPr>
+          <a:lstStyle/>
+          <a:p>
+            <a:r>
+              <a:rPr lang="es-AR" dirty="0" smtClean="0"/>
+              <a:t>MOJO v3</a:t>
+            </a:r>
+            <a:endParaRPr lang="es-AR" dirty="0"/>
+          </a:p>
+        </p:txBody>
+      </p:sp>
+      <p:pic>
+        <p:nvPicPr>
+          <p:cNvPr id="18435" name="Picture 3" descr="G:\Facultad\Trabajo Final\lechuzing\Presentacion\img\MojoIso.jpg"/>
+          <p:cNvPicPr>
+            <a:picLocks noChangeAspect="1" noChangeArrowheads="1"/>
+          </p:cNvPicPr>
+          <p:nvPr/>
+        </p:nvPicPr>
+        <p:blipFill>
+          <a:blip r:embed="rId2" cstate="print"/>
+          <a:srcRect/>
+          <a:stretch>
+            <a:fillRect/>
+          </a:stretch>
+        </p:blipFill>
+        <p:spPr bwMode="auto">
+          <a:xfrm>
+            <a:off x="1547664" y="1412776"/>
+            <a:ext cx="5904656" cy="4774339"/>
+          </a:xfrm>
+          <a:prstGeom prst="rect">
+            <a:avLst/>
+          </a:prstGeom>
+          <a:noFill/>
+        </p:spPr>
+      </p:pic>
+    </p:spTree>
+  </p:cSld>
+  <p:clrMapOvr>
+    <a:masterClrMapping/>
+  </p:clrMapOvr>
+</p:sld>
+</file>
+
+<file path=ppt/slides/slide34.xml><?xml version="1.0" encoding="utf-8"?>
+<p:sld xmlns:a="http://schemas.openxmlformats.org/drawingml/2006/main" xmlns:r="http://schemas.openxmlformats.org/officeDocument/2006/relationships" xmlns:p="http://schemas.openxmlformats.org/presentationml/2006/main">
+  <p:cSld>
+    <p:spTree>
+      <p:nvGrpSpPr>
+        <p:cNvPr id="1" name=""/>
+        <p:cNvGrpSpPr/>
+        <p:nvPr/>
+      </p:nvGrpSpPr>
+      <p:grpSpPr>
+        <a:xfrm>
+          <a:off x="0" y="0"/>
+          <a:ext cx="0" cy="0"/>
+          <a:chOff x="0" y="0"/>
+          <a:chExt cx="0" cy="0"/>
+        </a:xfrm>
+      </p:grpSpPr>
+      <p:sp>
+        <p:nvSpPr>
+          <p:cNvPr id="2" name="1 Título"/>
+          <p:cNvSpPr>
+            <a:spLocks noGrp="1"/>
+          </p:cNvSpPr>
+          <p:nvPr>
+            <p:ph type="title"/>
+          </p:nvPr>
+        </p:nvSpPr>
+        <p:spPr/>
+        <p:txBody>
+          <a:bodyPr>
+            <a:normAutofit/>
+          </a:bodyPr>
+          <a:lstStyle/>
+          <a:p>
+            <a:r>
+              <a:rPr lang="es-AR" dirty="0" smtClean="0"/>
+              <a:t>MOJO v3</a:t>
+            </a:r>
+            <a:endParaRPr lang="es-AR" dirty="0"/>
+          </a:p>
+        </p:txBody>
+      </p:sp>
+      <p:sp>
+        <p:nvSpPr>
+          <p:cNvPr id="3" name="2 Marcador de contenido"/>
+          <p:cNvSpPr>
+            <a:spLocks noGrp="1"/>
+          </p:cNvSpPr>
+          <p:nvPr>
+            <p:ph idx="1"/>
+          </p:nvPr>
+        </p:nvSpPr>
+        <p:spPr/>
+        <p:txBody>
+          <a:bodyPr>
+            <a:normAutofit fontScale="85000" lnSpcReduction="20000"/>
+          </a:bodyPr>
+          <a:lstStyle/>
+          <a:p>
+            <a:r>
+              <a:rPr lang="es-AR" dirty="0" err="1" smtClean="0"/>
+              <a:t>Spartan</a:t>
+            </a:r>
+            <a:r>
+              <a:rPr lang="es-AR" dirty="0" smtClean="0"/>
+              <a:t> 6 XC6SLX9 FPGA</a:t>
+            </a:r>
+          </a:p>
+          <a:p>
+            <a:r>
+              <a:rPr lang="es-AR" dirty="0" smtClean="0"/>
+              <a:t>84 pines IO digitales</a:t>
+            </a:r>
+          </a:p>
+          <a:p>
+            <a:r>
+              <a:rPr lang="es-AR" dirty="0" smtClean="0"/>
+              <a:t>8 entradas analógicas</a:t>
+            </a:r>
+          </a:p>
+          <a:p>
+            <a:r>
+              <a:rPr lang="es-AR" dirty="0" smtClean="0"/>
+              <a:t>8 </a:t>
+            </a:r>
+            <a:r>
+              <a:rPr lang="es-AR" dirty="0" err="1" smtClean="0"/>
+              <a:t>LEDs</a:t>
+            </a:r>
+            <a:r>
+              <a:rPr lang="es-AR" dirty="0" smtClean="0"/>
+              <a:t> de propósito general</a:t>
+            </a:r>
+          </a:p>
+          <a:p>
+            <a:r>
+              <a:rPr lang="es-AR" dirty="0" smtClean="0"/>
+              <a:t>1 </a:t>
+            </a:r>
+            <a:r>
+              <a:rPr lang="es-AR" dirty="0" err="1" smtClean="0"/>
+              <a:t>boton</a:t>
+            </a:r>
+            <a:r>
+              <a:rPr lang="es-AR" dirty="0" smtClean="0"/>
+              <a:t> pulsador de propósito general</a:t>
+            </a:r>
+          </a:p>
+          <a:p>
+            <a:r>
+              <a:rPr lang="es-AR" dirty="0" smtClean="0"/>
+              <a:t>Regulador de voltaje de entrada de 4.8V - 12V</a:t>
+            </a:r>
+          </a:p>
+          <a:p>
+            <a:r>
+              <a:rPr lang="es-AR" dirty="0" smtClean="0"/>
+              <a:t>ATmega32U4 que sirve para configurar la FPGA y leer los pines analógicos</a:t>
+            </a:r>
+          </a:p>
+          <a:p>
+            <a:r>
+              <a:rPr lang="es-AR" dirty="0" err="1" smtClean="0"/>
+              <a:t>Bootloader</a:t>
+            </a:r>
+            <a:r>
+              <a:rPr lang="es-AR" dirty="0" smtClean="0"/>
+              <a:t> compatible con </a:t>
+            </a:r>
+            <a:r>
+              <a:rPr lang="es-AR" dirty="0" err="1" smtClean="0"/>
+              <a:t>Arduino</a:t>
+            </a:r>
+            <a:endParaRPr lang="es-AR" dirty="0" smtClean="0"/>
+          </a:p>
+          <a:p>
+            <a:r>
+              <a:rPr lang="es-AR" dirty="0" smtClean="0"/>
+              <a:t>Memoria flash para almacenar la configuración de la FPGA (programación persistente)</a:t>
+            </a:r>
+          </a:p>
+          <a:p>
+            <a:endParaRPr lang="es-AR" dirty="0"/>
+          </a:p>
+        </p:txBody>
+      </p:sp>
+    </p:spTree>
+  </p:cSld>
+  <p:clrMapOvr>
+    <a:masterClrMapping/>
+  </p:clrMapOvr>
+</p:sld>
+</file>
+
+<file path=ppt/slides/slide35.xml><?xml version="1.0" encoding="utf-8"?>
+<p:sld xmlns:a="http://schemas.openxmlformats.org/drawingml/2006/main" xmlns:r="http://schemas.openxmlformats.org/officeDocument/2006/relationships" xmlns:p="http://schemas.openxmlformats.org/presentationml/2006/main">
+  <p:cSld>
+    <p:spTree>
+      <p:nvGrpSpPr>
+        <p:cNvPr id="1" name=""/>
+        <p:cNvGrpSpPr/>
+        <p:nvPr/>
+      </p:nvGrpSpPr>
+      <p:grpSpPr>
+        <a:xfrm>
+          <a:off x="0" y="0"/>
+          <a:ext cx="0" cy="0"/>
+          <a:chOff x="0" y="0"/>
+          <a:chExt cx="0" cy="0"/>
+        </a:xfrm>
+      </p:grpSpPr>
+      <p:sp>
+        <p:nvSpPr>
+          <p:cNvPr id="2" name="1 Título"/>
+          <p:cNvSpPr>
+            <a:spLocks noGrp="1"/>
+          </p:cNvSpPr>
+          <p:nvPr>
+            <p:ph type="title"/>
+          </p:nvPr>
+        </p:nvSpPr>
+        <p:spPr/>
+        <p:txBody>
+          <a:bodyPr>
+            <a:normAutofit/>
+          </a:bodyPr>
+          <a:lstStyle/>
+          <a:p>
+            <a:r>
+              <a:rPr lang="es-AR" dirty="0" smtClean="0"/>
+              <a:t>libusb-1.0</a:t>
+            </a:r>
+            <a:endParaRPr lang="es-AR" dirty="0"/>
+          </a:p>
+        </p:txBody>
+      </p:sp>
+      <p:sp>
+        <p:nvSpPr>
+          <p:cNvPr id="3" name="2 Marcador de contenido"/>
+          <p:cNvSpPr>
+            <a:spLocks noGrp="1"/>
+          </p:cNvSpPr>
+          <p:nvPr>
+            <p:ph idx="1"/>
+          </p:nvPr>
+        </p:nvSpPr>
+        <p:spPr/>
+        <p:txBody>
+          <a:bodyPr>
+            <a:normAutofit/>
+          </a:bodyPr>
+          <a:lstStyle/>
+          <a:p>
+            <a:r>
+              <a:rPr lang="es-AR" dirty="0" smtClean="0"/>
+              <a:t>Biblioteca de C/C++ genérica para manejar puertos USB</a:t>
+            </a:r>
+          </a:p>
+          <a:p>
+            <a:r>
+              <a:rPr lang="es-AR" dirty="0" smtClean="0"/>
+              <a:t>Código abierto y muy bien documentado</a:t>
+            </a:r>
+          </a:p>
+          <a:p>
+            <a:r>
+              <a:rPr lang="es-AR" dirty="0" smtClean="0"/>
+              <a:t>Es compatible con cualquier sistema operativo</a:t>
+            </a:r>
+          </a:p>
+          <a:p>
+            <a:r>
+              <a:rPr lang="es-AR" dirty="0" smtClean="0"/>
+              <a:t>Es compatible con todos las versiones de USB disponibles</a:t>
+            </a:r>
+          </a:p>
+        </p:txBody>
+      </p:sp>
+    </p:spTree>
+  </p:cSld>
+  <p:clrMapOvr>
+    <a:masterClrMapping/>
+  </p:clrMapOvr>
+</p:sld>
+</file>
+
+<file path=ppt/slides/slide36.xml><?xml version="1.0" encoding="utf-8"?>
+<p:sld xmlns:a="http://schemas.openxmlformats.org/drawingml/2006/main" xmlns:r="http://schemas.openxmlformats.org/officeDocument/2006/relationships" xmlns:p="http://schemas.openxmlformats.org/presentationml/2006/main">
+  <p:cSld>
+    <p:spTree>
+      <p:nvGrpSpPr>
+        <p:cNvPr id="1" name=""/>
+        <p:cNvGrpSpPr/>
+        <p:nvPr/>
+      </p:nvGrpSpPr>
+      <p:grpSpPr>
+        <a:xfrm>
+          <a:off x="0" y="0"/>
+          <a:ext cx="0" cy="0"/>
+          <a:chOff x="0" y="0"/>
+          <a:chExt cx="0" cy="0"/>
+        </a:xfrm>
+      </p:grpSpPr>
+      <p:sp>
+        <p:nvSpPr>
+          <p:cNvPr id="2" name="1 Título"/>
+          <p:cNvSpPr>
+            <a:spLocks noGrp="1"/>
+          </p:cNvSpPr>
+          <p:nvPr>
+            <p:ph type="title"/>
+          </p:nvPr>
+        </p:nvSpPr>
+        <p:spPr/>
+        <p:txBody>
+          <a:bodyPr/>
+          <a:lstStyle/>
+          <a:p>
+            <a:r>
+              <a:rPr lang="es-AR" dirty="0" smtClean="0"/>
+              <a:t>Agenda</a:t>
+            </a:r>
+            <a:endParaRPr lang="es-AR" dirty="0"/>
+          </a:p>
+        </p:txBody>
+      </p:sp>
+      <p:sp>
+        <p:nvSpPr>
+          <p:cNvPr id="3" name="2 Marcador de contenido"/>
+          <p:cNvSpPr>
+            <a:spLocks noGrp="1"/>
+          </p:cNvSpPr>
+          <p:nvPr>
+            <p:ph idx="1"/>
+          </p:nvPr>
+        </p:nvSpPr>
+        <p:spPr/>
+        <p:txBody>
+          <a:bodyPr>
+            <a:normAutofit/>
+          </a:bodyPr>
+          <a:lstStyle/>
+          <a:p>
+            <a:r>
+              <a:rPr lang="es-AR" dirty="0" smtClean="0"/>
+              <a:t>Desarrollo</a:t>
+            </a:r>
+          </a:p>
+          <a:p>
+            <a:pPr lvl="1"/>
+            <a:r>
+              <a:rPr lang="es-AR" dirty="0" smtClean="0"/>
+              <a:t>Configuración de la FX2LP</a:t>
+            </a:r>
+          </a:p>
+          <a:p>
+            <a:pPr lvl="2"/>
+            <a:r>
+              <a:rPr lang="es-AR" dirty="0" smtClean="0"/>
+              <a:t>Explicación de las memorias FIFO configurables</a:t>
+            </a:r>
+          </a:p>
+          <a:p>
+            <a:pPr lvl="2"/>
+            <a:r>
+              <a:rPr lang="es-AR" dirty="0" smtClean="0"/>
+              <a:t>Framework de </a:t>
+            </a:r>
+            <a:r>
+              <a:rPr lang="es-AR" dirty="0" err="1" smtClean="0"/>
+              <a:t>Cypress</a:t>
+            </a:r>
+            <a:endParaRPr lang="es-AR" dirty="0" smtClean="0"/>
+          </a:p>
+          <a:p>
+            <a:pPr lvl="2"/>
+            <a:r>
+              <a:rPr lang="es-AR" dirty="0" smtClean="0"/>
+              <a:t>Firmware</a:t>
+            </a:r>
+          </a:p>
+          <a:p>
+            <a:pPr lvl="2"/>
+            <a:r>
+              <a:rPr lang="es-AR" dirty="0" smtClean="0"/>
+              <a:t>Problemas presentados</a:t>
+            </a:r>
+          </a:p>
+        </p:txBody>
+      </p:sp>
+    </p:spTree>
+  </p:cSld>
+  <p:clrMapOvr>
+    <a:masterClrMapping/>
+  </p:clrMapOvr>
+</p:sld>
+</file>
+
+<file path=ppt/slides/slide37.xml><?xml version="1.0" encoding="utf-8"?>
+<p:sld xmlns:a="http://schemas.openxmlformats.org/drawingml/2006/main" xmlns:r="http://schemas.openxmlformats.org/officeDocument/2006/relationships" xmlns:p="http://schemas.openxmlformats.org/presentationml/2006/main">
+  <p:cSld>
+    <p:spTree>
+      <p:nvGrpSpPr>
+        <p:cNvPr id="1" name=""/>
+        <p:cNvGrpSpPr/>
+        <p:nvPr/>
+      </p:nvGrpSpPr>
+      <p:grpSpPr>
+        <a:xfrm>
+          <a:off x="0" y="0"/>
+          <a:ext cx="0" cy="0"/>
+          <a:chOff x="0" y="0"/>
+          <a:chExt cx="0" cy="0"/>
+        </a:xfrm>
+      </p:grpSpPr>
+      <p:sp>
+        <p:nvSpPr>
+          <p:cNvPr id="2" name="1 Título"/>
+          <p:cNvSpPr>
+            <a:spLocks noGrp="1"/>
+          </p:cNvSpPr>
+          <p:nvPr>
+            <p:ph type="title"/>
+          </p:nvPr>
+        </p:nvSpPr>
+        <p:spPr/>
+        <p:txBody>
+          <a:bodyPr/>
+          <a:lstStyle/>
+          <a:p>
+            <a:r>
+              <a:rPr lang="es-AR" dirty="0" smtClean="0"/>
+              <a:t>Configuración del FX2LP</a:t>
+            </a:r>
+            <a:endParaRPr lang="es-AR" dirty="0"/>
+          </a:p>
+        </p:txBody>
+      </p:sp>
+      <p:sp>
+        <p:nvSpPr>
+          <p:cNvPr id="3" name="2 Marcador de contenido"/>
+          <p:cNvSpPr>
+            <a:spLocks noGrp="1"/>
+          </p:cNvSpPr>
+          <p:nvPr>
+            <p:ph idx="1"/>
+          </p:nvPr>
+        </p:nvSpPr>
+        <p:spPr/>
+        <p:txBody>
+          <a:bodyPr>
+            <a:normAutofit/>
+          </a:bodyPr>
+          <a:lstStyle/>
+          <a:p>
+            <a:r>
+              <a:rPr lang="es-AR" smtClean="0"/>
+              <a:t>Memorias FIFO</a:t>
+            </a:r>
+            <a:endParaRPr lang="es-AR" dirty="0" smtClean="0"/>
+          </a:p>
+          <a:p>
+            <a:pPr lvl="1"/>
+            <a:r>
+              <a:rPr lang="es-AR" dirty="0" smtClean="0"/>
+              <a:t>Configuración de la FX2LP</a:t>
+            </a:r>
+          </a:p>
+          <a:p>
+            <a:pPr lvl="2"/>
+            <a:r>
+              <a:rPr lang="es-AR" dirty="0" smtClean="0"/>
+              <a:t>Explicación de las memorias FIFO configurables</a:t>
+            </a:r>
+          </a:p>
+          <a:p>
+            <a:pPr lvl="2"/>
+            <a:r>
+              <a:rPr lang="es-AR" dirty="0" smtClean="0"/>
+              <a:t>Framework de </a:t>
+            </a:r>
+            <a:r>
+              <a:rPr lang="es-AR" dirty="0" err="1" smtClean="0"/>
+              <a:t>Cypress</a:t>
+            </a:r>
+            <a:endParaRPr lang="es-AR" dirty="0" smtClean="0"/>
+          </a:p>
+          <a:p>
+            <a:pPr lvl="2"/>
+            <a:r>
+              <a:rPr lang="es-AR" dirty="0" smtClean="0"/>
+              <a:t>Firmware</a:t>
+            </a:r>
+          </a:p>
+          <a:p>
+            <a:pPr lvl="2"/>
+            <a:r>
+              <a:rPr lang="es-AR" dirty="0" smtClean="0"/>
+              <a:t>Problemas presentados</a:t>
+            </a:r>
           </a:p>
         </p:txBody>
       </p:sp>
@@ -5734,7 +6503,9 @@
         </p:nvSpPr>
         <p:spPr/>
         <p:txBody>
-          <a:bodyPr/>
+          <a:bodyPr>
+            <a:normAutofit/>
+          </a:bodyPr>
           <a:lstStyle/>
           <a:p>
             <a:r>
@@ -5750,32 +6521,37 @@
             </a:r>
           </a:p>
           <a:p>
-            <a:pPr lvl="1"/>
-            <a:r>
-              <a:rPr lang="es-AR" dirty="0" smtClean="0"/>
-              <a:t>Desarrollo del VHDL de la placa MOJO v3</a:t>
-            </a:r>
-          </a:p>
-          <a:p>
-            <a:pPr lvl="1"/>
-            <a:r>
-              <a:rPr lang="es-AR" dirty="0" smtClean="0"/>
-              <a:t>Placa de conexión</a:t>
-            </a:r>
-          </a:p>
-          <a:p>
-            <a:pPr lvl="1"/>
-            <a:r>
-              <a:rPr lang="es-AR" dirty="0" smtClean="0"/>
-              <a:t>Software de prueba</a:t>
-            </a:r>
-          </a:p>
-          <a:p>
-            <a:r>
-              <a:rPr lang="es-AR" dirty="0" smtClean="0"/>
-              <a:t>Resultados y conclusiones</a:t>
-            </a:r>
-            <a:endParaRPr lang="es-AR" dirty="0"/>
+            <a:pPr lvl="2"/>
+            <a:r>
+              <a:rPr lang="es-AR" dirty="0" smtClean="0"/>
+              <a:t>Explicación de las memorias FIFO configurables</a:t>
+            </a:r>
+          </a:p>
+          <a:p>
+            <a:pPr lvl="2"/>
+            <a:r>
+              <a:rPr lang="es-AR" dirty="0" smtClean="0"/>
+              <a:t>Framework de </a:t>
+            </a:r>
+            <a:r>
+              <a:rPr lang="es-AR" dirty="0" err="1" smtClean="0"/>
+              <a:t>Cypress</a:t>
+            </a:r>
+            <a:endParaRPr lang="es-AR" dirty="0" smtClean="0"/>
+          </a:p>
+          <a:p>
+            <a:pPr lvl="2"/>
+            <a:r>
+              <a:rPr lang="es-AR" dirty="0" smtClean="0"/>
+              <a:t>Firmware</a:t>
+            </a:r>
+          </a:p>
+          <a:p>
+            <a:pPr lvl="2"/>
+            <a:r>
+              <a:rPr lang="es-AR" dirty="0" smtClean="0"/>
+              <a:t>Problemas presentados</a:t>
+            </a:r>
           </a:p>
         </p:txBody>
       </p:sp>
@@ -5844,102 +6620,58 @@
           <a:p>
             <a:r>
               <a:rPr lang="es-AR" dirty="0" smtClean="0"/>
-              <a:t>Objetivos</a:t>
-            </a:r>
-          </a:p>
-          <a:p>
-            <a:r>
-              <a:rPr lang="es-AR" dirty="0" smtClean="0">
-                <a:solidFill>
-                  <a:schemeClr val="bg1">
-                    <a:lumMod val="65000"/>
-                  </a:schemeClr>
-                </a:solidFill>
-              </a:rPr>
-              <a:t>Breve descripción del protocolo USB</a:t>
-            </a:r>
-          </a:p>
-          <a:p>
-            <a:r>
-              <a:rPr lang="es-AR" dirty="0" smtClean="0">
-                <a:solidFill>
-                  <a:schemeClr val="bg1">
-                    <a:lumMod val="65000"/>
-                  </a:schemeClr>
-                </a:solidFill>
-              </a:rPr>
-              <a:t>Arquitectura del sistema propuesto</a:t>
-            </a:r>
-          </a:p>
-          <a:p>
-            <a:r>
-              <a:rPr lang="es-AR" dirty="0" smtClean="0">
-                <a:solidFill>
-                  <a:schemeClr val="bg1">
-                    <a:lumMod val="65000"/>
-                  </a:schemeClr>
-                </a:solidFill>
-              </a:rPr>
-              <a:t>Componentes utilizados</a:t>
+              <a:t>Desarrollo</a:t>
             </a:r>
           </a:p>
           <a:p>
             <a:pPr lvl="1"/>
             <a:r>
-              <a:rPr lang="es-AR" dirty="0" smtClean="0">
-                <a:solidFill>
-                  <a:schemeClr val="bg1">
-                    <a:lumMod val="65000"/>
-                  </a:schemeClr>
-                </a:solidFill>
-              </a:rPr>
-              <a:t>CY3684 FX2LP EZ-USB DK de </a:t>
-            </a:r>
-            <a:r>
-              <a:rPr lang="es-AR" dirty="0" err="1" smtClean="0">
-                <a:solidFill>
-                  <a:schemeClr val="bg1">
-                    <a:lumMod val="65000"/>
-                  </a:schemeClr>
-                </a:solidFill>
-              </a:rPr>
-              <a:t>Cypress</a:t>
-            </a:r>
-            <a:endParaRPr lang="es-AR" dirty="0" smtClean="0">
-              <a:solidFill>
-                <a:schemeClr val="bg1">
-                  <a:lumMod val="65000"/>
-                </a:schemeClr>
-              </a:solidFill>
-            </a:endParaRPr>
+              <a:rPr lang="es-AR" dirty="0" smtClean="0"/>
+              <a:t>Desarrollo del VHDL de la placa MOJO v3</a:t>
+            </a:r>
+          </a:p>
+          <a:p>
+            <a:pPr lvl="2"/>
+            <a:r>
+              <a:rPr lang="es-AR" dirty="0" smtClean="0"/>
+              <a:t>Interfaz con la CY3684</a:t>
+            </a:r>
+          </a:p>
+          <a:p>
+            <a:pPr lvl="2"/>
+            <a:r>
+              <a:rPr lang="es-AR" dirty="0" smtClean="0"/>
+              <a:t>Maquina de Estados</a:t>
+            </a:r>
+          </a:p>
+          <a:p>
+            <a:pPr lvl="2"/>
+            <a:r>
+              <a:rPr lang="es-AR" dirty="0" smtClean="0"/>
+              <a:t>Test </a:t>
+            </a:r>
+            <a:r>
+              <a:rPr lang="es-AR" dirty="0" err="1" smtClean="0"/>
+              <a:t>Bench’s</a:t>
+            </a:r>
+            <a:endParaRPr lang="es-AR" dirty="0" smtClean="0"/>
+          </a:p>
+          <a:p>
+            <a:pPr lvl="2"/>
+            <a:r>
+              <a:rPr lang="es-AR" dirty="0" smtClean="0"/>
+              <a:t>Problemas presentados</a:t>
+            </a:r>
           </a:p>
           <a:p>
             <a:pPr lvl="1"/>
-            <a:r>
-              <a:rPr lang="es-AR" dirty="0" smtClean="0">
-                <a:solidFill>
-                  <a:schemeClr val="bg1">
-                    <a:lumMod val="65000"/>
-                  </a:schemeClr>
-                </a:solidFill>
-              </a:rPr>
-              <a:t>MOJO v3</a:t>
-            </a:r>
-          </a:p>
-          <a:p>
-            <a:pPr lvl="1"/>
-            <a:r>
-              <a:rPr lang="es-AR" dirty="0" smtClean="0">
-                <a:solidFill>
-                  <a:schemeClr val="bg1">
-                    <a:lumMod val="65000"/>
-                  </a:schemeClr>
-                </a:solidFill>
-              </a:rPr>
-              <a:t>libusb-1.0</a:t>
-            </a:r>
-          </a:p>
-          <a:p>
+            <a:endParaRPr lang="es-AR" dirty="0" smtClean="0"/>
+          </a:p>
+          <a:p>
+            <a:r>
+              <a:rPr lang="es-AR" dirty="0" smtClean="0"/>
+              <a:t>Resultados y conclusiones</a:t>
+            </a:r>
             <a:endParaRPr lang="es-AR" dirty="0"/>
           </a:p>
         </p:txBody>
@@ -5986,7 +6718,7 @@
           <a:p>
             <a:r>
               <a:rPr lang="es-AR" dirty="0" smtClean="0"/>
-              <a:t>Objetivos</a:t>
+              <a:t>Agenda</a:t>
             </a:r>
             <a:endParaRPr lang="es-AR" dirty="0"/>
           </a:p>
@@ -6009,20 +6741,48 @@
           <a:p>
             <a:r>
               <a:rPr lang="es-AR" dirty="0" smtClean="0"/>
-              <a:t>Objetivo General</a:t>
+              <a:t>Desarrollo</a:t>
             </a:r>
           </a:p>
           <a:p>
             <a:pPr lvl="1"/>
             <a:r>
               <a:rPr lang="es-AR" dirty="0" smtClean="0"/>
-              <a:t>Realizar una efectiva comunicación entre una FPGA y una PC mediante el protocolo USB 2.0</a:t>
-            </a:r>
-          </a:p>
-          <a:p>
-            <a:pPr>
-              <a:buNone/>
-            </a:pPr>
+              <a:t>Placa de conexión</a:t>
+            </a:r>
+          </a:p>
+          <a:p>
+            <a:pPr lvl="2"/>
+            <a:r>
+              <a:rPr lang="es-AR" dirty="0" smtClean="0"/>
+              <a:t>v1</a:t>
+            </a:r>
+          </a:p>
+          <a:p>
+            <a:pPr lvl="2"/>
+            <a:r>
+              <a:rPr lang="es-AR" dirty="0" smtClean="0"/>
+              <a:t>v2</a:t>
+            </a:r>
+          </a:p>
+          <a:p>
+            <a:pPr lvl="2"/>
+            <a:r>
+              <a:rPr lang="es-AR" dirty="0" smtClean="0"/>
+              <a:t>v3</a:t>
+            </a:r>
+          </a:p>
+          <a:p>
+            <a:r>
+              <a:rPr lang="es-AR" dirty="0" smtClean="0"/>
+              <a:t>Problemas presentados del sistema en general</a:t>
+            </a:r>
+          </a:p>
+          <a:p>
+            <a:r>
+              <a:rPr lang="es-AR" dirty="0" smtClean="0"/>
+              <a:t>Resultados y conclusiones</a:t>
+            </a:r>
             <a:endParaRPr lang="es-AR" dirty="0"/>
           </a:p>
         </p:txBody>
@@ -6069,72 +6829,125 @@
           <a:p>
             <a:r>
               <a:rPr lang="es-AR" dirty="0" smtClean="0"/>
+              <a:t>Agenda</a:t>
+            </a:r>
+            <a:endParaRPr lang="es-AR" dirty="0"/>
+          </a:p>
+        </p:txBody>
+      </p:sp>
+      <p:sp>
+        <p:nvSpPr>
+          <p:cNvPr id="3" name="2 Marcador de contenido"/>
+          <p:cNvSpPr>
+            <a:spLocks noGrp="1"/>
+          </p:cNvSpPr>
+          <p:nvPr>
+            <p:ph idx="1"/>
+          </p:nvPr>
+        </p:nvSpPr>
+        <p:spPr/>
+        <p:txBody>
+          <a:bodyPr/>
+          <a:lstStyle/>
+          <a:p>
+            <a:r>
+              <a:rPr lang="es-AR" dirty="0" smtClean="0"/>
               <a:t>Objetivos</a:t>
             </a:r>
-            <a:endParaRPr lang="es-AR" dirty="0"/>
-          </a:p>
-        </p:txBody>
-      </p:sp>
-      <p:sp>
-        <p:nvSpPr>
-          <p:cNvPr id="3" name="2 Marcador de contenido"/>
-          <p:cNvSpPr>
-            <a:spLocks noGrp="1"/>
-          </p:cNvSpPr>
-          <p:nvPr>
-            <p:ph idx="1"/>
-          </p:nvPr>
-        </p:nvSpPr>
-        <p:spPr/>
-        <p:txBody>
-          <a:bodyPr>
-            <a:normAutofit/>
-          </a:bodyPr>
-          <a:lstStyle/>
-          <a:p>
-            <a:r>
-              <a:rPr lang="es-AR" dirty="0" smtClean="0"/>
-              <a:t>Objetivos Particulares</a:t>
+          </a:p>
+          <a:p>
+            <a:r>
+              <a:rPr lang="es-AR" dirty="0" smtClean="0">
+                <a:solidFill>
+                  <a:schemeClr val="bg1">
+                    <a:lumMod val="65000"/>
+                  </a:schemeClr>
+                </a:solidFill>
+              </a:rPr>
+              <a:t>Breve descripción del protocolo USB</a:t>
+            </a:r>
+          </a:p>
+          <a:p>
+            <a:r>
+              <a:rPr lang="es-AR" dirty="0" smtClean="0">
+                <a:solidFill>
+                  <a:schemeClr val="bg1">
+                    <a:lumMod val="65000"/>
+                  </a:schemeClr>
+                </a:solidFill>
+              </a:rPr>
+              <a:t>Arquitectura del sistema propuesto</a:t>
+            </a:r>
+          </a:p>
+          <a:p>
+            <a:r>
+              <a:rPr lang="es-AR" dirty="0" smtClean="0">
+                <a:solidFill>
+                  <a:schemeClr val="bg1">
+                    <a:lumMod val="65000"/>
+                  </a:schemeClr>
+                </a:solidFill>
+              </a:rPr>
+              <a:t>Componentes utilizados</a:t>
             </a:r>
           </a:p>
           <a:p>
             <a:pPr lvl="1"/>
             <a:r>
-              <a:rPr lang="es-AR" dirty="0" smtClean="0"/>
-              <a:t>Comprender el funcionamiento de la placa de desarrollo CY3684 y el </a:t>
-            </a:r>
-            <a:r>
-              <a:rPr lang="es-AR" dirty="0" err="1" smtClean="0"/>
-              <a:t>framework</a:t>
-            </a:r>
-            <a:r>
-              <a:rPr lang="es-AR" dirty="0" smtClean="0"/>
-              <a:t> provisto por </a:t>
-            </a:r>
-            <a:r>
-              <a:rPr lang="es-AR" dirty="0" err="1" smtClean="0"/>
+              <a:rPr lang="es-AR" dirty="0" smtClean="0">
+                <a:solidFill>
+                  <a:schemeClr val="bg1">
+                    <a:lumMod val="65000"/>
+                  </a:schemeClr>
+                </a:solidFill>
+              </a:rPr>
+              <a:t>CY3684 FX2LP EZ-USB DK de </a:t>
+            </a:r>
+            <a:r>
+              <a:rPr lang="es-AR" dirty="0" err="1" smtClean="0">
+                <a:solidFill>
+                  <a:schemeClr val="bg1">
+                    <a:lumMod val="65000"/>
+                  </a:schemeClr>
+                </a:solidFill>
+              </a:rPr>
               <a:t>Cypress</a:t>
             </a:r>
-            <a:endParaRPr lang="es-AR" dirty="0" smtClean="0"/>
+            <a:endParaRPr lang="es-AR" dirty="0" smtClean="0">
+              <a:solidFill>
+                <a:schemeClr val="bg1">
+                  <a:lumMod val="65000"/>
+                </a:schemeClr>
+              </a:solidFill>
+            </a:endParaRPr>
           </a:p>
           <a:p>
             <a:pPr lvl="1"/>
             <a:r>
-              <a:rPr lang="es-AR" dirty="0" smtClean="0"/>
-              <a:t>Realizar la Configuración del chip CY7C68014A</a:t>
+              <a:rPr lang="es-AR" dirty="0" smtClean="0">
+                <a:solidFill>
+                  <a:schemeClr val="bg1">
+                    <a:lumMod val="65000"/>
+                  </a:schemeClr>
+                </a:solidFill>
+              </a:rPr>
+              <a:t>MOJO v3</a:t>
             </a:r>
           </a:p>
           <a:p>
             <a:pPr lvl="1"/>
             <a:r>
-              <a:rPr lang="es-AR" dirty="0" smtClean="0"/>
-              <a:t>Sintetizar un circuito con VHDL que pueda manejar las memorias FIFO esclavas del integrado CY768014A</a:t>
-            </a:r>
-          </a:p>
-          <a:p>
-            <a:pPr>
-              <a:buNone/>
-            </a:pPr>
+              <a:rPr lang="es-AR" dirty="0" smtClean="0">
+                <a:solidFill>
+                  <a:schemeClr val="bg1">
+                    <a:lumMod val="65000"/>
+                  </a:schemeClr>
+                </a:solidFill>
+              </a:rPr>
+              <a:t>libusb-1.0</a:t>
+            </a:r>
+          </a:p>
+          <a:p>
             <a:endParaRPr lang="es-AR" dirty="0"/>
           </a:p>
         </p:txBody>
